--- a/Journaling.pptx
+++ b/Journaling.pptx
@@ -4,9 +4,18 @@
   <p:sldMasterIdLst>
     <p:sldMasterId id="2147483648" r:id="rId1"/>
   </p:sldMasterIdLst>
+  <p:notesMasterIdLst>
+    <p:notesMasterId r:id="rId10"/>
+  </p:notesMasterIdLst>
   <p:sldIdLst>
     <p:sldId id="256" r:id="rId2"/>
     <p:sldId id="257" r:id="rId3"/>
+    <p:sldId id="258" r:id="rId4"/>
+    <p:sldId id="259" r:id="rId5"/>
+    <p:sldId id="260" r:id="rId6"/>
+    <p:sldId id="261" r:id="rId7"/>
+    <p:sldId id="262" r:id="rId8"/>
+    <p:sldId id="263" r:id="rId9"/>
   </p:sldIdLst>
   <p:sldSz cx="12192000" cy="6858000"/>
   <p:notesSz cx="6858000" cy="9144000"/>
@@ -113,6 +122,1027 @@
 </p:presentation>
 </file>
 
+<file path=ppt/notesMasters/notesMaster1.xml><?xml version="1.0" encoding="utf-8"?>
+<p:notesMaster xmlns:a="http://schemas.openxmlformats.org/drawingml/2006/main" xmlns:r="http://schemas.openxmlformats.org/officeDocument/2006/relationships" xmlns:p="http://schemas.openxmlformats.org/presentationml/2006/main">
+  <p:cSld>
+    <p:bg>
+      <p:bgRef idx="1001">
+        <a:schemeClr val="bg1"/>
+      </p:bgRef>
+    </p:bg>
+    <p:spTree>
+      <p:nvGrpSpPr>
+        <p:cNvPr id="1" name=""/>
+        <p:cNvGrpSpPr/>
+        <p:nvPr/>
+      </p:nvGrpSpPr>
+      <p:grpSpPr>
+        <a:xfrm>
+          <a:off x="0" y="0"/>
+          <a:ext cx="0" cy="0"/>
+          <a:chOff x="0" y="0"/>
+          <a:chExt cx="0" cy="0"/>
+        </a:xfrm>
+      </p:grpSpPr>
+      <p:sp>
+        <p:nvSpPr>
+          <p:cNvPr id="2" name="Header Placeholder 1"/>
+          <p:cNvSpPr>
+            <a:spLocks noGrp="1"/>
+          </p:cNvSpPr>
+          <p:nvPr>
+            <p:ph type="hdr" sz="quarter"/>
+          </p:nvPr>
+        </p:nvSpPr>
+        <p:spPr>
+          <a:xfrm>
+            <a:off x="0" y="0"/>
+            <a:ext cx="2971800" cy="458788"/>
+          </a:xfrm>
+          <a:prstGeom prst="rect">
+            <a:avLst/>
+          </a:prstGeom>
+        </p:spPr>
+        <p:txBody>
+          <a:bodyPr vert="horz" lIns="91440" tIns="45720" rIns="91440" bIns="45720" rtlCol="0"/>
+          <a:lstStyle>
+            <a:lvl1pPr algn="l">
+              <a:defRPr sz="1200"/>
+            </a:lvl1pPr>
+          </a:lstStyle>
+          <a:p>
+            <a:endParaRPr lang="en-US"/>
+          </a:p>
+        </p:txBody>
+      </p:sp>
+      <p:sp>
+        <p:nvSpPr>
+          <p:cNvPr id="3" name="Date Placeholder 2"/>
+          <p:cNvSpPr>
+            <a:spLocks noGrp="1"/>
+          </p:cNvSpPr>
+          <p:nvPr>
+            <p:ph type="dt" idx="1"/>
+          </p:nvPr>
+        </p:nvSpPr>
+        <p:spPr>
+          <a:xfrm>
+            <a:off x="3884613" y="0"/>
+            <a:ext cx="2971800" cy="458788"/>
+          </a:xfrm>
+          <a:prstGeom prst="rect">
+            <a:avLst/>
+          </a:prstGeom>
+        </p:spPr>
+        <p:txBody>
+          <a:bodyPr vert="horz" lIns="91440" tIns="45720" rIns="91440" bIns="45720" rtlCol="0"/>
+          <a:lstStyle>
+            <a:lvl1pPr algn="r">
+              <a:defRPr sz="1200"/>
+            </a:lvl1pPr>
+          </a:lstStyle>
+          <a:p>
+            <a:fld id="{C1D1BA1A-87A2-734D-9DF5-63753D88BEFA}" type="datetimeFigureOut">
+              <a:rPr lang="en-US" smtClean="0"/>
+              <a:t>1/15/26</a:t>
+            </a:fld>
+            <a:endParaRPr lang="en-US"/>
+          </a:p>
+        </p:txBody>
+      </p:sp>
+      <p:sp>
+        <p:nvSpPr>
+          <p:cNvPr id="4" name="Slide Image Placeholder 3"/>
+          <p:cNvSpPr>
+            <a:spLocks noGrp="1" noRot="1" noChangeAspect="1"/>
+          </p:cNvSpPr>
+          <p:nvPr>
+            <p:ph type="sldImg" idx="2"/>
+          </p:nvPr>
+        </p:nvSpPr>
+        <p:spPr>
+          <a:xfrm>
+            <a:off x="685800" y="1143000"/>
+            <a:ext cx="5486400" cy="3086100"/>
+          </a:xfrm>
+          <a:prstGeom prst="rect">
+            <a:avLst/>
+          </a:prstGeom>
+          <a:noFill/>
+          <a:ln w="12700">
+            <a:solidFill>
+              <a:prstClr val="black"/>
+            </a:solidFill>
+          </a:ln>
+        </p:spPr>
+        <p:txBody>
+          <a:bodyPr vert="horz" lIns="91440" tIns="45720" rIns="91440" bIns="45720" rtlCol="0" anchor="ctr"/>
+          <a:lstStyle/>
+          <a:p>
+            <a:endParaRPr lang="en-US"/>
+          </a:p>
+        </p:txBody>
+      </p:sp>
+      <p:sp>
+        <p:nvSpPr>
+          <p:cNvPr id="5" name="Notes Placeholder 4"/>
+          <p:cNvSpPr>
+            <a:spLocks noGrp="1"/>
+          </p:cNvSpPr>
+          <p:nvPr>
+            <p:ph type="body" sz="quarter" idx="3"/>
+          </p:nvPr>
+        </p:nvSpPr>
+        <p:spPr>
+          <a:xfrm>
+            <a:off x="685800" y="4400550"/>
+            <a:ext cx="5486400" cy="3600450"/>
+          </a:xfrm>
+          <a:prstGeom prst="rect">
+            <a:avLst/>
+          </a:prstGeom>
+        </p:spPr>
+        <p:txBody>
+          <a:bodyPr vert="horz" lIns="91440" tIns="45720" rIns="91440" bIns="45720" rtlCol="0"/>
+          <a:lstStyle/>
+          <a:p>
+            <a:pPr lvl="0"/>
+            <a:r>
+              <a:rPr lang="en-US"/>
+              <a:t>Click to edit Master text styles</a:t>
+            </a:r>
+          </a:p>
+          <a:p>
+            <a:pPr lvl="1"/>
+            <a:r>
+              <a:rPr lang="en-US"/>
+              <a:t>Second level</a:t>
+            </a:r>
+          </a:p>
+          <a:p>
+            <a:pPr lvl="2"/>
+            <a:r>
+              <a:rPr lang="en-US"/>
+              <a:t>Third level</a:t>
+            </a:r>
+          </a:p>
+          <a:p>
+            <a:pPr lvl="3"/>
+            <a:r>
+              <a:rPr lang="en-US"/>
+              <a:t>Fourth level</a:t>
+            </a:r>
+          </a:p>
+          <a:p>
+            <a:pPr lvl="4"/>
+            <a:r>
+              <a:rPr lang="en-US"/>
+              <a:t>Fifth level</a:t>
+            </a:r>
+          </a:p>
+        </p:txBody>
+      </p:sp>
+      <p:sp>
+        <p:nvSpPr>
+          <p:cNvPr id="6" name="Footer Placeholder 5"/>
+          <p:cNvSpPr>
+            <a:spLocks noGrp="1"/>
+          </p:cNvSpPr>
+          <p:nvPr>
+            <p:ph type="ftr" sz="quarter" idx="4"/>
+          </p:nvPr>
+        </p:nvSpPr>
+        <p:spPr>
+          <a:xfrm>
+            <a:off x="0" y="8685213"/>
+            <a:ext cx="2971800" cy="458787"/>
+          </a:xfrm>
+          <a:prstGeom prst="rect">
+            <a:avLst/>
+          </a:prstGeom>
+        </p:spPr>
+        <p:txBody>
+          <a:bodyPr vert="horz" lIns="91440" tIns="45720" rIns="91440" bIns="45720" rtlCol="0" anchor="b"/>
+          <a:lstStyle>
+            <a:lvl1pPr algn="l">
+              <a:defRPr sz="1200"/>
+            </a:lvl1pPr>
+          </a:lstStyle>
+          <a:p>
+            <a:endParaRPr lang="en-US"/>
+          </a:p>
+        </p:txBody>
+      </p:sp>
+      <p:sp>
+        <p:nvSpPr>
+          <p:cNvPr id="7" name="Slide Number Placeholder 6"/>
+          <p:cNvSpPr>
+            <a:spLocks noGrp="1"/>
+          </p:cNvSpPr>
+          <p:nvPr>
+            <p:ph type="sldNum" sz="quarter" idx="5"/>
+          </p:nvPr>
+        </p:nvSpPr>
+        <p:spPr>
+          <a:xfrm>
+            <a:off x="3884613" y="8685213"/>
+            <a:ext cx="2971800" cy="458787"/>
+          </a:xfrm>
+          <a:prstGeom prst="rect">
+            <a:avLst/>
+          </a:prstGeom>
+        </p:spPr>
+        <p:txBody>
+          <a:bodyPr vert="horz" lIns="91440" tIns="45720" rIns="91440" bIns="45720" rtlCol="0" anchor="b"/>
+          <a:lstStyle>
+            <a:lvl1pPr algn="r">
+              <a:defRPr sz="1200"/>
+            </a:lvl1pPr>
+          </a:lstStyle>
+          <a:p>
+            <a:fld id="{01BE6F3F-B92F-6342-BED0-BD7F2835A37C}" type="slidenum">
+              <a:rPr lang="en-US" smtClean="0"/>
+              <a:t>‹#›</a:t>
+            </a:fld>
+            <a:endParaRPr lang="en-US"/>
+          </a:p>
+        </p:txBody>
+      </p:sp>
+    </p:spTree>
+    <p:extLst>
+      <p:ext uri="{BB962C8B-B14F-4D97-AF65-F5344CB8AC3E}">
+        <p14:creationId xmlns:p14="http://schemas.microsoft.com/office/powerpoint/2010/main" val="1850417545"/>
+      </p:ext>
+    </p:extLst>
+  </p:cSld>
+  <p:clrMap bg1="lt1" tx1="dk1" bg2="lt2" tx2="dk2" accent1="accent1" accent2="accent2" accent3="accent3" accent4="accent4" accent5="accent5" accent6="accent6" hlink="hlink" folHlink="folHlink"/>
+  <p:notesStyle>
+    <a:lvl1pPr marL="0" algn="l" defTabSz="914400" rtl="0" eaLnBrk="1" latinLnBrk="0" hangingPunct="1">
+      <a:defRPr sz="1200" kern="1200">
+        <a:solidFill>
+          <a:schemeClr val="tx1"/>
+        </a:solidFill>
+        <a:latin typeface="+mn-lt"/>
+        <a:ea typeface="+mn-ea"/>
+        <a:cs typeface="+mn-cs"/>
+      </a:defRPr>
+    </a:lvl1pPr>
+    <a:lvl2pPr marL="457200" algn="l" defTabSz="914400" rtl="0" eaLnBrk="1" latinLnBrk="0" hangingPunct="1">
+      <a:defRPr sz="1200" kern="1200">
+        <a:solidFill>
+          <a:schemeClr val="tx1"/>
+        </a:solidFill>
+        <a:latin typeface="+mn-lt"/>
+        <a:ea typeface="+mn-ea"/>
+        <a:cs typeface="+mn-cs"/>
+      </a:defRPr>
+    </a:lvl2pPr>
+    <a:lvl3pPr marL="914400" algn="l" defTabSz="914400" rtl="0" eaLnBrk="1" latinLnBrk="0" hangingPunct="1">
+      <a:defRPr sz="1200" kern="1200">
+        <a:solidFill>
+          <a:schemeClr val="tx1"/>
+        </a:solidFill>
+        <a:latin typeface="+mn-lt"/>
+        <a:ea typeface="+mn-ea"/>
+        <a:cs typeface="+mn-cs"/>
+      </a:defRPr>
+    </a:lvl3pPr>
+    <a:lvl4pPr marL="1371600" algn="l" defTabSz="914400" rtl="0" eaLnBrk="1" latinLnBrk="0" hangingPunct="1">
+      <a:defRPr sz="1200" kern="1200">
+        <a:solidFill>
+          <a:schemeClr val="tx1"/>
+        </a:solidFill>
+        <a:latin typeface="+mn-lt"/>
+        <a:ea typeface="+mn-ea"/>
+        <a:cs typeface="+mn-cs"/>
+      </a:defRPr>
+    </a:lvl4pPr>
+    <a:lvl5pPr marL="1828800" algn="l" defTabSz="914400" rtl="0" eaLnBrk="1" latinLnBrk="0" hangingPunct="1">
+      <a:defRPr sz="1200" kern="1200">
+        <a:solidFill>
+          <a:schemeClr val="tx1"/>
+        </a:solidFill>
+        <a:latin typeface="+mn-lt"/>
+        <a:ea typeface="+mn-ea"/>
+        <a:cs typeface="+mn-cs"/>
+      </a:defRPr>
+    </a:lvl5pPr>
+    <a:lvl6pPr marL="2286000" algn="l" defTabSz="914400" rtl="0" eaLnBrk="1" latinLnBrk="0" hangingPunct="1">
+      <a:defRPr sz="1200" kern="1200">
+        <a:solidFill>
+          <a:schemeClr val="tx1"/>
+        </a:solidFill>
+        <a:latin typeface="+mn-lt"/>
+        <a:ea typeface="+mn-ea"/>
+        <a:cs typeface="+mn-cs"/>
+      </a:defRPr>
+    </a:lvl6pPr>
+    <a:lvl7pPr marL="2743200" algn="l" defTabSz="914400" rtl="0" eaLnBrk="1" latinLnBrk="0" hangingPunct="1">
+      <a:defRPr sz="1200" kern="1200">
+        <a:solidFill>
+          <a:schemeClr val="tx1"/>
+        </a:solidFill>
+        <a:latin typeface="+mn-lt"/>
+        <a:ea typeface="+mn-ea"/>
+        <a:cs typeface="+mn-cs"/>
+      </a:defRPr>
+    </a:lvl7pPr>
+    <a:lvl8pPr marL="3200400" algn="l" defTabSz="914400" rtl="0" eaLnBrk="1" latinLnBrk="0" hangingPunct="1">
+      <a:defRPr sz="1200" kern="1200">
+        <a:solidFill>
+          <a:schemeClr val="tx1"/>
+        </a:solidFill>
+        <a:latin typeface="+mn-lt"/>
+        <a:ea typeface="+mn-ea"/>
+        <a:cs typeface="+mn-cs"/>
+      </a:defRPr>
+    </a:lvl8pPr>
+    <a:lvl9pPr marL="3657600" algn="l" defTabSz="914400" rtl="0" eaLnBrk="1" latinLnBrk="0" hangingPunct="1">
+      <a:defRPr sz="1200" kern="1200">
+        <a:solidFill>
+          <a:schemeClr val="tx1"/>
+        </a:solidFill>
+        <a:latin typeface="+mn-lt"/>
+        <a:ea typeface="+mn-ea"/>
+        <a:cs typeface="+mn-cs"/>
+      </a:defRPr>
+    </a:lvl9pPr>
+  </p:notesStyle>
+</p:notesMaster>
+</file>
+
+<file path=ppt/notesSlides/notesSlide1.xml><?xml version="1.0" encoding="utf-8"?>
+<p:notes xmlns:a="http://schemas.openxmlformats.org/drawingml/2006/main" xmlns:r="http://schemas.openxmlformats.org/officeDocument/2006/relationships" xmlns:p="http://schemas.openxmlformats.org/presentationml/2006/main">
+  <p:cSld>
+    <p:spTree>
+      <p:nvGrpSpPr>
+        <p:cNvPr id="1" name=""/>
+        <p:cNvGrpSpPr/>
+        <p:nvPr/>
+      </p:nvGrpSpPr>
+      <p:grpSpPr>
+        <a:xfrm>
+          <a:off x="0" y="0"/>
+          <a:ext cx="0" cy="0"/>
+          <a:chOff x="0" y="0"/>
+          <a:chExt cx="0" cy="0"/>
+        </a:xfrm>
+      </p:grpSpPr>
+      <p:sp>
+        <p:nvSpPr>
+          <p:cNvPr id="2" name="Slide Image Placeholder 1"/>
+          <p:cNvSpPr>
+            <a:spLocks noGrp="1" noRot="1" noChangeAspect="1"/>
+          </p:cNvSpPr>
+          <p:nvPr>
+            <p:ph type="sldImg"/>
+          </p:nvPr>
+        </p:nvSpPr>
+        <p:spPr/>
+      </p:sp>
+      <p:sp>
+        <p:nvSpPr>
+          <p:cNvPr id="3" name="Notes Placeholder 2"/>
+          <p:cNvSpPr>
+            <a:spLocks noGrp="1"/>
+          </p:cNvSpPr>
+          <p:nvPr>
+            <p:ph type="body" idx="1"/>
+          </p:nvPr>
+        </p:nvSpPr>
+        <p:spPr/>
+        <p:txBody>
+          <a:bodyPr/>
+          <a:lstStyle/>
+          <a:p>
+            <a:endParaRPr lang="en-US"/>
+          </a:p>
+        </p:txBody>
+      </p:sp>
+      <p:sp>
+        <p:nvSpPr>
+          <p:cNvPr id="4" name="Slide Number Placeholder 3"/>
+          <p:cNvSpPr>
+            <a:spLocks noGrp="1"/>
+          </p:cNvSpPr>
+          <p:nvPr>
+            <p:ph type="sldNum" sz="quarter" idx="5"/>
+          </p:nvPr>
+        </p:nvSpPr>
+        <p:spPr/>
+        <p:txBody>
+          <a:bodyPr/>
+          <a:lstStyle/>
+          <a:p>
+            <a:fld id="{01BE6F3F-B92F-6342-BED0-BD7F2835A37C}" type="slidenum">
+              <a:rPr lang="en-US" smtClean="0"/>
+              <a:t>1</a:t>
+            </a:fld>
+            <a:endParaRPr lang="en-US"/>
+          </a:p>
+        </p:txBody>
+      </p:sp>
+    </p:spTree>
+    <p:extLst>
+      <p:ext uri="{BB962C8B-B14F-4D97-AF65-F5344CB8AC3E}">
+        <p14:creationId xmlns:p14="http://schemas.microsoft.com/office/powerpoint/2010/main" val="3715411267"/>
+      </p:ext>
+    </p:extLst>
+  </p:cSld>
+  <p:clrMapOvr>
+    <a:masterClrMapping/>
+  </p:clrMapOvr>
+</p:notes>
+</file>
+
+<file path=ppt/notesSlides/notesSlide2.xml><?xml version="1.0" encoding="utf-8"?>
+<p:notes xmlns:a="http://schemas.openxmlformats.org/drawingml/2006/main" xmlns:r="http://schemas.openxmlformats.org/officeDocument/2006/relationships" xmlns:p="http://schemas.openxmlformats.org/presentationml/2006/main">
+  <p:cSld>
+    <p:spTree>
+      <p:nvGrpSpPr>
+        <p:cNvPr id="1" name=""/>
+        <p:cNvGrpSpPr/>
+        <p:nvPr/>
+      </p:nvGrpSpPr>
+      <p:grpSpPr>
+        <a:xfrm>
+          <a:off x="0" y="0"/>
+          <a:ext cx="0" cy="0"/>
+          <a:chOff x="0" y="0"/>
+          <a:chExt cx="0" cy="0"/>
+        </a:xfrm>
+      </p:grpSpPr>
+      <p:sp>
+        <p:nvSpPr>
+          <p:cNvPr id="2" name="Slide Image Placeholder 1"/>
+          <p:cNvSpPr>
+            <a:spLocks noGrp="1" noRot="1" noChangeAspect="1"/>
+          </p:cNvSpPr>
+          <p:nvPr>
+            <p:ph type="sldImg"/>
+          </p:nvPr>
+        </p:nvSpPr>
+        <p:spPr/>
+      </p:sp>
+      <p:sp>
+        <p:nvSpPr>
+          <p:cNvPr id="3" name="Notes Placeholder 2"/>
+          <p:cNvSpPr>
+            <a:spLocks noGrp="1"/>
+          </p:cNvSpPr>
+          <p:nvPr>
+            <p:ph type="body" idx="1"/>
+          </p:nvPr>
+        </p:nvSpPr>
+        <p:spPr/>
+        <p:txBody>
+          <a:bodyPr/>
+          <a:lstStyle/>
+          <a:p>
+            <a:endParaRPr lang="en-US"/>
+          </a:p>
+        </p:txBody>
+      </p:sp>
+      <p:sp>
+        <p:nvSpPr>
+          <p:cNvPr id="4" name="Slide Number Placeholder 3"/>
+          <p:cNvSpPr>
+            <a:spLocks noGrp="1"/>
+          </p:cNvSpPr>
+          <p:nvPr>
+            <p:ph type="sldNum" sz="quarter" idx="5"/>
+          </p:nvPr>
+        </p:nvSpPr>
+        <p:spPr/>
+        <p:txBody>
+          <a:bodyPr/>
+          <a:lstStyle/>
+          <a:p>
+            <a:fld id="{01BE6F3F-B92F-6342-BED0-BD7F2835A37C}" type="slidenum">
+              <a:rPr lang="en-US" smtClean="0"/>
+              <a:t>2</a:t>
+            </a:fld>
+            <a:endParaRPr lang="en-US"/>
+          </a:p>
+        </p:txBody>
+      </p:sp>
+    </p:spTree>
+    <p:extLst>
+      <p:ext uri="{BB962C8B-B14F-4D97-AF65-F5344CB8AC3E}">
+        <p14:creationId xmlns:p14="http://schemas.microsoft.com/office/powerpoint/2010/main" val="3490872652"/>
+      </p:ext>
+    </p:extLst>
+  </p:cSld>
+  <p:clrMapOvr>
+    <a:masterClrMapping/>
+  </p:clrMapOvr>
+</p:notes>
+</file>
+
+<file path=ppt/notesSlides/notesSlide3.xml><?xml version="1.0" encoding="utf-8"?>
+<p:notes xmlns:a="http://schemas.openxmlformats.org/drawingml/2006/main" xmlns:r="http://schemas.openxmlformats.org/officeDocument/2006/relationships" xmlns:p="http://schemas.openxmlformats.org/presentationml/2006/main">
+  <p:cSld>
+    <p:spTree>
+      <p:nvGrpSpPr>
+        <p:cNvPr id="1" name=""/>
+        <p:cNvGrpSpPr/>
+        <p:nvPr/>
+      </p:nvGrpSpPr>
+      <p:grpSpPr>
+        <a:xfrm>
+          <a:off x="0" y="0"/>
+          <a:ext cx="0" cy="0"/>
+          <a:chOff x="0" y="0"/>
+          <a:chExt cx="0" cy="0"/>
+        </a:xfrm>
+      </p:grpSpPr>
+      <p:sp>
+        <p:nvSpPr>
+          <p:cNvPr id="2" name="Slide Image Placeholder 1"/>
+          <p:cNvSpPr>
+            <a:spLocks noGrp="1" noRot="1" noChangeAspect="1"/>
+          </p:cNvSpPr>
+          <p:nvPr>
+            <p:ph type="sldImg"/>
+          </p:nvPr>
+        </p:nvSpPr>
+        <p:spPr/>
+      </p:sp>
+      <p:sp>
+        <p:nvSpPr>
+          <p:cNvPr id="3" name="Notes Placeholder 2"/>
+          <p:cNvSpPr>
+            <a:spLocks noGrp="1"/>
+          </p:cNvSpPr>
+          <p:nvPr>
+            <p:ph type="body" idx="1"/>
+          </p:nvPr>
+        </p:nvSpPr>
+        <p:spPr/>
+        <p:txBody>
+          <a:bodyPr/>
+          <a:lstStyle/>
+          <a:p>
+            <a:endParaRPr lang="en-US"/>
+          </a:p>
+        </p:txBody>
+      </p:sp>
+      <p:sp>
+        <p:nvSpPr>
+          <p:cNvPr id="4" name="Slide Number Placeholder 3"/>
+          <p:cNvSpPr>
+            <a:spLocks noGrp="1"/>
+          </p:cNvSpPr>
+          <p:nvPr>
+            <p:ph type="sldNum" sz="quarter" idx="5"/>
+          </p:nvPr>
+        </p:nvSpPr>
+        <p:spPr/>
+        <p:txBody>
+          <a:bodyPr/>
+          <a:lstStyle/>
+          <a:p>
+            <a:fld id="{01BE6F3F-B92F-6342-BED0-BD7F2835A37C}" type="slidenum">
+              <a:rPr lang="en-US" smtClean="0"/>
+              <a:t>3</a:t>
+            </a:fld>
+            <a:endParaRPr lang="en-US"/>
+          </a:p>
+        </p:txBody>
+      </p:sp>
+    </p:spTree>
+    <p:extLst>
+      <p:ext uri="{BB962C8B-B14F-4D97-AF65-F5344CB8AC3E}">
+        <p14:creationId xmlns:p14="http://schemas.microsoft.com/office/powerpoint/2010/main" val="3269722017"/>
+      </p:ext>
+    </p:extLst>
+  </p:cSld>
+  <p:clrMapOvr>
+    <a:masterClrMapping/>
+  </p:clrMapOvr>
+</p:notes>
+</file>
+
+<file path=ppt/notesSlides/notesSlide4.xml><?xml version="1.0" encoding="utf-8"?>
+<p:notes xmlns:a="http://schemas.openxmlformats.org/drawingml/2006/main" xmlns:r="http://schemas.openxmlformats.org/officeDocument/2006/relationships" xmlns:p="http://schemas.openxmlformats.org/presentationml/2006/main">
+  <p:cSld>
+    <p:spTree>
+      <p:nvGrpSpPr>
+        <p:cNvPr id="1" name=""/>
+        <p:cNvGrpSpPr/>
+        <p:nvPr/>
+      </p:nvGrpSpPr>
+      <p:grpSpPr>
+        <a:xfrm>
+          <a:off x="0" y="0"/>
+          <a:ext cx="0" cy="0"/>
+          <a:chOff x="0" y="0"/>
+          <a:chExt cx="0" cy="0"/>
+        </a:xfrm>
+      </p:grpSpPr>
+      <p:sp>
+        <p:nvSpPr>
+          <p:cNvPr id="2" name="Slide Image Placeholder 1"/>
+          <p:cNvSpPr>
+            <a:spLocks noGrp="1" noRot="1" noChangeAspect="1"/>
+          </p:cNvSpPr>
+          <p:nvPr>
+            <p:ph type="sldImg"/>
+          </p:nvPr>
+        </p:nvSpPr>
+        <p:spPr/>
+      </p:sp>
+      <p:sp>
+        <p:nvSpPr>
+          <p:cNvPr id="3" name="Notes Placeholder 2"/>
+          <p:cNvSpPr>
+            <a:spLocks noGrp="1"/>
+          </p:cNvSpPr>
+          <p:nvPr>
+            <p:ph type="body" idx="1"/>
+          </p:nvPr>
+        </p:nvSpPr>
+        <p:spPr/>
+        <p:txBody>
+          <a:bodyPr/>
+          <a:lstStyle/>
+          <a:p>
+            <a:endParaRPr lang="en-US"/>
+          </a:p>
+        </p:txBody>
+      </p:sp>
+      <p:sp>
+        <p:nvSpPr>
+          <p:cNvPr id="4" name="Slide Number Placeholder 3"/>
+          <p:cNvSpPr>
+            <a:spLocks noGrp="1"/>
+          </p:cNvSpPr>
+          <p:nvPr>
+            <p:ph type="sldNum" sz="quarter" idx="5"/>
+          </p:nvPr>
+        </p:nvSpPr>
+        <p:spPr/>
+        <p:txBody>
+          <a:bodyPr/>
+          <a:lstStyle/>
+          <a:p>
+            <a:fld id="{01BE6F3F-B92F-6342-BED0-BD7F2835A37C}" type="slidenum">
+              <a:rPr lang="en-US" smtClean="0"/>
+              <a:t>4</a:t>
+            </a:fld>
+            <a:endParaRPr lang="en-US"/>
+          </a:p>
+        </p:txBody>
+      </p:sp>
+    </p:spTree>
+    <p:extLst>
+      <p:ext uri="{BB962C8B-B14F-4D97-AF65-F5344CB8AC3E}">
+        <p14:creationId xmlns:p14="http://schemas.microsoft.com/office/powerpoint/2010/main" val="1144769653"/>
+      </p:ext>
+    </p:extLst>
+  </p:cSld>
+  <p:clrMapOvr>
+    <a:masterClrMapping/>
+  </p:clrMapOvr>
+</p:notes>
+</file>
+
+<file path=ppt/notesSlides/notesSlide5.xml><?xml version="1.0" encoding="utf-8"?>
+<p:notes xmlns:a="http://schemas.openxmlformats.org/drawingml/2006/main" xmlns:r="http://schemas.openxmlformats.org/officeDocument/2006/relationships" xmlns:p="http://schemas.openxmlformats.org/presentationml/2006/main">
+  <p:cSld>
+    <p:spTree>
+      <p:nvGrpSpPr>
+        <p:cNvPr id="1" name=""/>
+        <p:cNvGrpSpPr/>
+        <p:nvPr/>
+      </p:nvGrpSpPr>
+      <p:grpSpPr>
+        <a:xfrm>
+          <a:off x="0" y="0"/>
+          <a:ext cx="0" cy="0"/>
+          <a:chOff x="0" y="0"/>
+          <a:chExt cx="0" cy="0"/>
+        </a:xfrm>
+      </p:grpSpPr>
+      <p:sp>
+        <p:nvSpPr>
+          <p:cNvPr id="2" name="Slide Image Placeholder 1"/>
+          <p:cNvSpPr>
+            <a:spLocks noGrp="1" noRot="1" noChangeAspect="1"/>
+          </p:cNvSpPr>
+          <p:nvPr>
+            <p:ph type="sldImg"/>
+          </p:nvPr>
+        </p:nvSpPr>
+        <p:spPr/>
+      </p:sp>
+      <p:sp>
+        <p:nvSpPr>
+          <p:cNvPr id="3" name="Notes Placeholder 2"/>
+          <p:cNvSpPr>
+            <a:spLocks noGrp="1"/>
+          </p:cNvSpPr>
+          <p:nvPr>
+            <p:ph type="body" idx="1"/>
+          </p:nvPr>
+        </p:nvSpPr>
+        <p:spPr/>
+        <p:txBody>
+          <a:bodyPr/>
+          <a:lstStyle/>
+          <a:p>
+            <a:endParaRPr lang="en-US"/>
+          </a:p>
+        </p:txBody>
+      </p:sp>
+      <p:sp>
+        <p:nvSpPr>
+          <p:cNvPr id="4" name="Slide Number Placeholder 3"/>
+          <p:cNvSpPr>
+            <a:spLocks noGrp="1"/>
+          </p:cNvSpPr>
+          <p:nvPr>
+            <p:ph type="sldNum" sz="quarter" idx="5"/>
+          </p:nvPr>
+        </p:nvSpPr>
+        <p:spPr/>
+        <p:txBody>
+          <a:bodyPr/>
+          <a:lstStyle/>
+          <a:p>
+            <a:fld id="{01BE6F3F-B92F-6342-BED0-BD7F2835A37C}" type="slidenum">
+              <a:rPr lang="en-US" smtClean="0"/>
+              <a:t>5</a:t>
+            </a:fld>
+            <a:endParaRPr lang="en-US"/>
+          </a:p>
+        </p:txBody>
+      </p:sp>
+    </p:spTree>
+    <p:extLst>
+      <p:ext uri="{BB962C8B-B14F-4D97-AF65-F5344CB8AC3E}">
+        <p14:creationId xmlns:p14="http://schemas.microsoft.com/office/powerpoint/2010/main" val="3706335312"/>
+      </p:ext>
+    </p:extLst>
+  </p:cSld>
+  <p:clrMapOvr>
+    <a:masterClrMapping/>
+  </p:clrMapOvr>
+</p:notes>
+</file>
+
+<file path=ppt/notesSlides/notesSlide6.xml><?xml version="1.0" encoding="utf-8"?>
+<p:notes xmlns:a="http://schemas.openxmlformats.org/drawingml/2006/main" xmlns:r="http://schemas.openxmlformats.org/officeDocument/2006/relationships" xmlns:p="http://schemas.openxmlformats.org/presentationml/2006/main">
+  <p:cSld>
+    <p:spTree>
+      <p:nvGrpSpPr>
+        <p:cNvPr id="1" name=""/>
+        <p:cNvGrpSpPr/>
+        <p:nvPr/>
+      </p:nvGrpSpPr>
+      <p:grpSpPr>
+        <a:xfrm>
+          <a:off x="0" y="0"/>
+          <a:ext cx="0" cy="0"/>
+          <a:chOff x="0" y="0"/>
+          <a:chExt cx="0" cy="0"/>
+        </a:xfrm>
+      </p:grpSpPr>
+      <p:sp>
+        <p:nvSpPr>
+          <p:cNvPr id="2" name="Slide Image Placeholder 1"/>
+          <p:cNvSpPr>
+            <a:spLocks noGrp="1" noRot="1" noChangeAspect="1"/>
+          </p:cNvSpPr>
+          <p:nvPr>
+            <p:ph type="sldImg"/>
+          </p:nvPr>
+        </p:nvSpPr>
+        <p:spPr/>
+      </p:sp>
+      <p:sp>
+        <p:nvSpPr>
+          <p:cNvPr id="3" name="Notes Placeholder 2"/>
+          <p:cNvSpPr>
+            <a:spLocks noGrp="1"/>
+          </p:cNvSpPr>
+          <p:nvPr>
+            <p:ph type="body" idx="1"/>
+          </p:nvPr>
+        </p:nvSpPr>
+        <p:spPr/>
+        <p:txBody>
+          <a:bodyPr/>
+          <a:lstStyle/>
+          <a:p>
+            <a:endParaRPr lang="en-US"/>
+          </a:p>
+        </p:txBody>
+      </p:sp>
+      <p:sp>
+        <p:nvSpPr>
+          <p:cNvPr id="4" name="Slide Number Placeholder 3"/>
+          <p:cNvSpPr>
+            <a:spLocks noGrp="1"/>
+          </p:cNvSpPr>
+          <p:nvPr>
+            <p:ph type="sldNum" sz="quarter" idx="5"/>
+          </p:nvPr>
+        </p:nvSpPr>
+        <p:spPr/>
+        <p:txBody>
+          <a:bodyPr/>
+          <a:lstStyle/>
+          <a:p>
+            <a:fld id="{01BE6F3F-B92F-6342-BED0-BD7F2835A37C}" type="slidenum">
+              <a:rPr lang="en-US" smtClean="0"/>
+              <a:t>6</a:t>
+            </a:fld>
+            <a:endParaRPr lang="en-US"/>
+          </a:p>
+        </p:txBody>
+      </p:sp>
+    </p:spTree>
+    <p:extLst>
+      <p:ext uri="{BB962C8B-B14F-4D97-AF65-F5344CB8AC3E}">
+        <p14:creationId xmlns:p14="http://schemas.microsoft.com/office/powerpoint/2010/main" val="4116905725"/>
+      </p:ext>
+    </p:extLst>
+  </p:cSld>
+  <p:clrMapOvr>
+    <a:masterClrMapping/>
+  </p:clrMapOvr>
+</p:notes>
+</file>
+
+<file path=ppt/notesSlides/notesSlide7.xml><?xml version="1.0" encoding="utf-8"?>
+<p:notes xmlns:a="http://schemas.openxmlformats.org/drawingml/2006/main" xmlns:r="http://schemas.openxmlformats.org/officeDocument/2006/relationships" xmlns:p="http://schemas.openxmlformats.org/presentationml/2006/main">
+  <p:cSld>
+    <p:spTree>
+      <p:nvGrpSpPr>
+        <p:cNvPr id="1" name=""/>
+        <p:cNvGrpSpPr/>
+        <p:nvPr/>
+      </p:nvGrpSpPr>
+      <p:grpSpPr>
+        <a:xfrm>
+          <a:off x="0" y="0"/>
+          <a:ext cx="0" cy="0"/>
+          <a:chOff x="0" y="0"/>
+          <a:chExt cx="0" cy="0"/>
+        </a:xfrm>
+      </p:grpSpPr>
+      <p:sp>
+        <p:nvSpPr>
+          <p:cNvPr id="2" name="Slide Image Placeholder 1"/>
+          <p:cNvSpPr>
+            <a:spLocks noGrp="1" noRot="1" noChangeAspect="1"/>
+          </p:cNvSpPr>
+          <p:nvPr>
+            <p:ph type="sldImg"/>
+          </p:nvPr>
+        </p:nvSpPr>
+        <p:spPr/>
+      </p:sp>
+      <p:sp>
+        <p:nvSpPr>
+          <p:cNvPr id="3" name="Notes Placeholder 2"/>
+          <p:cNvSpPr>
+            <a:spLocks noGrp="1"/>
+          </p:cNvSpPr>
+          <p:nvPr>
+            <p:ph type="body" idx="1"/>
+          </p:nvPr>
+        </p:nvSpPr>
+        <p:spPr/>
+        <p:txBody>
+          <a:bodyPr/>
+          <a:lstStyle/>
+          <a:p>
+            <a:endParaRPr lang="en-US"/>
+          </a:p>
+        </p:txBody>
+      </p:sp>
+      <p:sp>
+        <p:nvSpPr>
+          <p:cNvPr id="4" name="Slide Number Placeholder 3"/>
+          <p:cNvSpPr>
+            <a:spLocks noGrp="1"/>
+          </p:cNvSpPr>
+          <p:nvPr>
+            <p:ph type="sldNum" sz="quarter" idx="5"/>
+          </p:nvPr>
+        </p:nvSpPr>
+        <p:spPr/>
+        <p:txBody>
+          <a:bodyPr/>
+          <a:lstStyle/>
+          <a:p>
+            <a:fld id="{01BE6F3F-B92F-6342-BED0-BD7F2835A37C}" type="slidenum">
+              <a:rPr lang="en-US" smtClean="0"/>
+              <a:t>7</a:t>
+            </a:fld>
+            <a:endParaRPr lang="en-US"/>
+          </a:p>
+        </p:txBody>
+      </p:sp>
+    </p:spTree>
+    <p:extLst>
+      <p:ext uri="{BB962C8B-B14F-4D97-AF65-F5344CB8AC3E}">
+        <p14:creationId xmlns:p14="http://schemas.microsoft.com/office/powerpoint/2010/main" val="1999098334"/>
+      </p:ext>
+    </p:extLst>
+  </p:cSld>
+  <p:clrMapOvr>
+    <a:masterClrMapping/>
+  </p:clrMapOvr>
+</p:notes>
+</file>
+
+<file path=ppt/notesSlides/notesSlide8.xml><?xml version="1.0" encoding="utf-8"?>
+<p:notes xmlns:a="http://schemas.openxmlformats.org/drawingml/2006/main" xmlns:r="http://schemas.openxmlformats.org/officeDocument/2006/relationships" xmlns:p="http://schemas.openxmlformats.org/presentationml/2006/main">
+  <p:cSld>
+    <p:spTree>
+      <p:nvGrpSpPr>
+        <p:cNvPr id="1" name=""/>
+        <p:cNvGrpSpPr/>
+        <p:nvPr/>
+      </p:nvGrpSpPr>
+      <p:grpSpPr>
+        <a:xfrm>
+          <a:off x="0" y="0"/>
+          <a:ext cx="0" cy="0"/>
+          <a:chOff x="0" y="0"/>
+          <a:chExt cx="0" cy="0"/>
+        </a:xfrm>
+      </p:grpSpPr>
+      <p:sp>
+        <p:nvSpPr>
+          <p:cNvPr id="2" name="Slide Image Placeholder 1"/>
+          <p:cNvSpPr>
+            <a:spLocks noGrp="1" noRot="1" noChangeAspect="1"/>
+          </p:cNvSpPr>
+          <p:nvPr>
+            <p:ph type="sldImg"/>
+          </p:nvPr>
+        </p:nvSpPr>
+        <p:spPr/>
+      </p:sp>
+      <p:sp>
+        <p:nvSpPr>
+          <p:cNvPr id="3" name="Notes Placeholder 2"/>
+          <p:cNvSpPr>
+            <a:spLocks noGrp="1"/>
+          </p:cNvSpPr>
+          <p:nvPr>
+            <p:ph type="body" idx="1"/>
+          </p:nvPr>
+        </p:nvSpPr>
+        <p:spPr/>
+        <p:txBody>
+          <a:bodyPr/>
+          <a:lstStyle/>
+          <a:p>
+            <a:endParaRPr lang="en-US"/>
+          </a:p>
+        </p:txBody>
+      </p:sp>
+      <p:sp>
+        <p:nvSpPr>
+          <p:cNvPr id="4" name="Slide Number Placeholder 3"/>
+          <p:cNvSpPr>
+            <a:spLocks noGrp="1"/>
+          </p:cNvSpPr>
+          <p:nvPr>
+            <p:ph type="sldNum" sz="quarter" idx="5"/>
+          </p:nvPr>
+        </p:nvSpPr>
+        <p:spPr/>
+        <p:txBody>
+          <a:bodyPr/>
+          <a:lstStyle/>
+          <a:p>
+            <a:fld id="{01BE6F3F-B92F-6342-BED0-BD7F2835A37C}" type="slidenum">
+              <a:rPr lang="en-US" smtClean="0"/>
+              <a:t>8</a:t>
+            </a:fld>
+            <a:endParaRPr lang="en-US"/>
+          </a:p>
+        </p:txBody>
+      </p:sp>
+    </p:spTree>
+    <p:extLst>
+      <p:ext uri="{BB962C8B-B14F-4D97-AF65-F5344CB8AC3E}">
+        <p14:creationId xmlns:p14="http://schemas.microsoft.com/office/powerpoint/2010/main" val="363541670"/>
+      </p:ext>
+    </p:extLst>
+  </p:cSld>
+  <p:clrMapOvr>
+    <a:masterClrMapping/>
+  </p:clrMapOvr>
+</p:notes>
+</file>
+
 <file path=ppt/slideLayouts/slideLayout1.xml><?xml version="1.0" encoding="utf-8"?>
 <p:sldLayout xmlns:a="http://schemas.openxmlformats.org/drawingml/2006/main" xmlns:r="http://schemas.openxmlformats.org/officeDocument/2006/relationships" xmlns:p="http://schemas.openxmlformats.org/presentationml/2006/main" type="title" preserve="1">
   <p:cSld name="Title Slide">
@@ -260,7 +1290,7 @@
           <a:p>
             <a:fld id="{96566BC7-121A-774B-9234-730725E9FF88}" type="datetimeFigureOut">
               <a:rPr lang="en-US" smtClean="0"/>
-              <a:t>1/14/26</a:t>
+              <a:t>1/15/26</a:t>
             </a:fld>
             <a:endParaRPr lang="en-US"/>
           </a:p>
@@ -458,7 +1488,7 @@
           <a:p>
             <a:fld id="{96566BC7-121A-774B-9234-730725E9FF88}" type="datetimeFigureOut">
               <a:rPr lang="en-US" smtClean="0"/>
-              <a:t>1/14/26</a:t>
+              <a:t>1/15/26</a:t>
             </a:fld>
             <a:endParaRPr lang="en-US"/>
           </a:p>
@@ -666,7 +1696,7 @@
           <a:p>
             <a:fld id="{96566BC7-121A-774B-9234-730725E9FF88}" type="datetimeFigureOut">
               <a:rPr lang="en-US" smtClean="0"/>
-              <a:t>1/14/26</a:t>
+              <a:t>1/15/26</a:t>
             </a:fld>
             <a:endParaRPr lang="en-US"/>
           </a:p>
@@ -864,7 +1894,7 @@
           <a:p>
             <a:fld id="{96566BC7-121A-774B-9234-730725E9FF88}" type="datetimeFigureOut">
               <a:rPr lang="en-US" smtClean="0"/>
-              <a:t>1/14/26</a:t>
+              <a:t>1/15/26</a:t>
             </a:fld>
             <a:endParaRPr lang="en-US"/>
           </a:p>
@@ -1139,7 +2169,7 @@
           <a:p>
             <a:fld id="{96566BC7-121A-774B-9234-730725E9FF88}" type="datetimeFigureOut">
               <a:rPr lang="en-US" smtClean="0"/>
-              <a:t>1/14/26</a:t>
+              <a:t>1/15/26</a:t>
             </a:fld>
             <a:endParaRPr lang="en-US"/>
           </a:p>
@@ -1404,7 +2434,7 @@
           <a:p>
             <a:fld id="{96566BC7-121A-774B-9234-730725E9FF88}" type="datetimeFigureOut">
               <a:rPr lang="en-US" smtClean="0"/>
-              <a:t>1/14/26</a:t>
+              <a:t>1/15/26</a:t>
             </a:fld>
             <a:endParaRPr lang="en-US"/>
           </a:p>
@@ -1816,7 +2846,7 @@
           <a:p>
             <a:fld id="{96566BC7-121A-774B-9234-730725E9FF88}" type="datetimeFigureOut">
               <a:rPr lang="en-US" smtClean="0"/>
-              <a:t>1/14/26</a:t>
+              <a:t>1/15/26</a:t>
             </a:fld>
             <a:endParaRPr lang="en-US"/>
           </a:p>
@@ -1957,7 +2987,7 @@
           <a:p>
             <a:fld id="{96566BC7-121A-774B-9234-730725E9FF88}" type="datetimeFigureOut">
               <a:rPr lang="en-US" smtClean="0"/>
-              <a:t>1/14/26</a:t>
+              <a:t>1/15/26</a:t>
             </a:fld>
             <a:endParaRPr lang="en-US"/>
           </a:p>
@@ -2070,7 +3100,7 @@
           <a:p>
             <a:fld id="{96566BC7-121A-774B-9234-730725E9FF88}" type="datetimeFigureOut">
               <a:rPr lang="en-US" smtClean="0"/>
-              <a:t>1/14/26</a:t>
+              <a:t>1/15/26</a:t>
             </a:fld>
             <a:endParaRPr lang="en-US"/>
           </a:p>
@@ -2381,7 +3411,7 @@
           <a:p>
             <a:fld id="{96566BC7-121A-774B-9234-730725E9FF88}" type="datetimeFigureOut">
               <a:rPr lang="en-US" smtClean="0"/>
-              <a:t>1/14/26</a:t>
+              <a:t>1/15/26</a:t>
             </a:fld>
             <a:endParaRPr lang="en-US"/>
           </a:p>
@@ -2669,7 +3699,7 @@
           <a:p>
             <a:fld id="{96566BC7-121A-774B-9234-730725E9FF88}" type="datetimeFigureOut">
               <a:rPr lang="en-US" smtClean="0"/>
-              <a:t>1/14/26</a:t>
+              <a:t>1/15/26</a:t>
             </a:fld>
             <a:endParaRPr lang="en-US"/>
           </a:p>
@@ -2910,7 +3940,7 @@
           <a:p>
             <a:fld id="{96566BC7-121A-774B-9234-730725E9FF88}" type="datetimeFigureOut">
               <a:rPr lang="en-US" smtClean="0"/>
-              <a:t>1/14/26</a:t>
+              <a:t>1/15/26</a:t>
             </a:fld>
             <a:endParaRPr lang="en-US"/>
           </a:p>
@@ -5000,7 +6030,7 @@
           <p:nvPr/>
         </p:nvPicPr>
         <p:blipFill>
-          <a:blip r:embed="rId2"/>
+          <a:blip r:embed="rId3"/>
           <a:stretch>
             <a:fillRect/>
           </a:stretch>
@@ -5021,6 +6051,256 @@
             <a:extLst>
               <a:ext uri="{FF2B5EF4-FFF2-40B4-BE49-F238E27FC236}">
                 <a16:creationId xmlns:a16="http://schemas.microsoft.com/office/drawing/2014/main" id="{91172DE8-627E-3025-D379-C5A494089539}"/>
+              </a:ext>
+            </a:extLst>
+          </p:cNvPr>
+          <p:cNvPicPr>
+            <a:picLocks noChangeAspect="1"/>
+          </p:cNvPicPr>
+          <p:nvPr/>
+        </p:nvPicPr>
+        <p:blipFill>
+          <a:blip r:embed="rId4"/>
+          <a:stretch>
+            <a:fillRect/>
+          </a:stretch>
+        </p:blipFill>
+        <p:spPr>
+          <a:xfrm>
+            <a:off x="1185826" y="2654300"/>
+            <a:ext cx="825500" cy="774700"/>
+          </a:xfrm>
+          <a:prstGeom prst="rect">
+            <a:avLst/>
+          </a:prstGeom>
+        </p:spPr>
+      </p:pic>
+      <p:pic>
+        <p:nvPicPr>
+          <p:cNvPr id="7" name="Picture 6">
+            <a:extLst>
+              <a:ext uri="{FF2B5EF4-FFF2-40B4-BE49-F238E27FC236}">
+                <a16:creationId xmlns:a16="http://schemas.microsoft.com/office/drawing/2014/main" id="{1A82BFDF-DD58-A4B7-D2F4-62846BD36BB3}"/>
+              </a:ext>
+            </a:extLst>
+          </p:cNvPr>
+          <p:cNvPicPr>
+            <a:picLocks noChangeAspect="1"/>
+          </p:cNvPicPr>
+          <p:nvPr/>
+        </p:nvPicPr>
+        <p:blipFill>
+          <a:blip r:embed="rId5"/>
+          <a:stretch>
+            <a:fillRect/>
+          </a:stretch>
+        </p:blipFill>
+        <p:spPr>
+          <a:xfrm>
+            <a:off x="1185826" y="3836434"/>
+            <a:ext cx="1219200" cy="673100"/>
+          </a:xfrm>
+          <a:prstGeom prst="rect">
+            <a:avLst/>
+          </a:prstGeom>
+        </p:spPr>
+      </p:pic>
+      <p:pic>
+        <p:nvPicPr>
+          <p:cNvPr id="8" name="Picture 7">
+            <a:extLst>
+              <a:ext uri="{FF2B5EF4-FFF2-40B4-BE49-F238E27FC236}">
+                <a16:creationId xmlns:a16="http://schemas.microsoft.com/office/drawing/2014/main" id="{6DB95E4B-A7EC-A039-ABA2-9631285D08B8}"/>
+              </a:ext>
+            </a:extLst>
+          </p:cNvPr>
+          <p:cNvPicPr>
+            <a:picLocks noChangeAspect="1"/>
+          </p:cNvPicPr>
+          <p:nvPr/>
+        </p:nvPicPr>
+        <p:blipFill>
+          <a:blip r:embed="rId6"/>
+          <a:stretch>
+            <a:fillRect/>
+          </a:stretch>
+        </p:blipFill>
+        <p:spPr>
+          <a:xfrm>
+            <a:off x="2633478" y="1421366"/>
+            <a:ext cx="673100" cy="927100"/>
+          </a:xfrm>
+          <a:prstGeom prst="rect">
+            <a:avLst/>
+          </a:prstGeom>
+        </p:spPr>
+      </p:pic>
+      <p:pic>
+        <p:nvPicPr>
+          <p:cNvPr id="9" name="Picture 8">
+            <a:extLst>
+              <a:ext uri="{FF2B5EF4-FFF2-40B4-BE49-F238E27FC236}">
+                <a16:creationId xmlns:a16="http://schemas.microsoft.com/office/drawing/2014/main" id="{4CD0B9AB-9484-8EA2-9218-3ED9E9D1ED34}"/>
+              </a:ext>
+            </a:extLst>
+          </p:cNvPr>
+          <p:cNvPicPr>
+            <a:picLocks noChangeAspect="1"/>
+          </p:cNvPicPr>
+          <p:nvPr/>
+        </p:nvPicPr>
+        <p:blipFill>
+          <a:blip r:embed="rId7"/>
+          <a:stretch>
+            <a:fillRect/>
+          </a:stretch>
+        </p:blipFill>
+        <p:spPr>
+          <a:xfrm>
+            <a:off x="2633478" y="2670249"/>
+            <a:ext cx="1054100" cy="774700"/>
+          </a:xfrm>
+          <a:prstGeom prst="rect">
+            <a:avLst/>
+          </a:prstGeom>
+        </p:spPr>
+      </p:pic>
+      <p:pic>
+        <p:nvPicPr>
+          <p:cNvPr id="10" name="Picture 9">
+            <a:extLst>
+              <a:ext uri="{FF2B5EF4-FFF2-40B4-BE49-F238E27FC236}">
+                <a16:creationId xmlns:a16="http://schemas.microsoft.com/office/drawing/2014/main" id="{C1A12DC0-8D34-3854-6B28-283AE727F60B}"/>
+              </a:ext>
+            </a:extLst>
+          </p:cNvPr>
+          <p:cNvPicPr>
+            <a:picLocks noChangeAspect="1"/>
+          </p:cNvPicPr>
+          <p:nvPr/>
+        </p:nvPicPr>
+        <p:blipFill>
+          <a:blip r:embed="rId8"/>
+          <a:stretch>
+            <a:fillRect/>
+          </a:stretch>
+        </p:blipFill>
+        <p:spPr>
+          <a:xfrm>
+            <a:off x="3687430" y="2837416"/>
+            <a:ext cx="1244600" cy="736600"/>
+          </a:xfrm>
+          <a:prstGeom prst="rect">
+            <a:avLst/>
+          </a:prstGeom>
+        </p:spPr>
+      </p:pic>
+      <p:sp>
+        <p:nvSpPr>
+          <p:cNvPr id="11" name="TextBox 10">
+            <a:extLst>
+              <a:ext uri="{FF2B5EF4-FFF2-40B4-BE49-F238E27FC236}">
+                <a16:creationId xmlns:a16="http://schemas.microsoft.com/office/drawing/2014/main" id="{561191FD-4CF7-36B4-19EC-767784E30B0B}"/>
+              </a:ext>
+            </a:extLst>
+          </p:cNvPr>
+          <p:cNvSpPr txBox="1"/>
+          <p:nvPr/>
+        </p:nvSpPr>
+        <p:spPr>
+          <a:xfrm>
+            <a:off x="8431619" y="2670249"/>
+            <a:ext cx="763158" cy="369332"/>
+          </a:xfrm>
+          <a:prstGeom prst="rect">
+            <a:avLst/>
+          </a:prstGeom>
+          <a:noFill/>
+        </p:spPr>
+        <p:txBody>
+          <a:bodyPr wrap="none" rtlCol="0">
+            <a:spAutoFit/>
+          </a:bodyPr>
+          <a:lstStyle/>
+          <a:p>
+            <a:r>
+              <a:rPr lang="en-US" dirty="0"/>
+              <a:t>Vomit</a:t>
+            </a:r>
+          </a:p>
+        </p:txBody>
+      </p:sp>
+      <p:sp>
+        <p:nvSpPr>
+          <p:cNvPr id="12" name="TextBox 11">
+            <a:extLst>
+              <a:ext uri="{FF2B5EF4-FFF2-40B4-BE49-F238E27FC236}">
+                <a16:creationId xmlns:a16="http://schemas.microsoft.com/office/drawing/2014/main" id="{43C7CB29-A918-86F7-A8A3-7A0753F20784}"/>
+              </a:ext>
+            </a:extLst>
+          </p:cNvPr>
+          <p:cNvSpPr txBox="1"/>
+          <p:nvPr/>
+        </p:nvSpPr>
+        <p:spPr>
+          <a:xfrm>
+            <a:off x="5511209" y="3836434"/>
+            <a:ext cx="1094017" cy="369332"/>
+          </a:xfrm>
+          <a:prstGeom prst="rect">
+            <a:avLst/>
+          </a:prstGeom>
+          <a:noFill/>
+        </p:spPr>
+        <p:txBody>
+          <a:bodyPr wrap="none" rtlCol="0">
+            <a:spAutoFit/>
+          </a:bodyPr>
+          <a:lstStyle/>
+          <a:p>
+            <a:r>
+              <a:rPr lang="en-US" dirty="0"/>
+              <a:t>Interview</a:t>
+            </a:r>
+          </a:p>
+        </p:txBody>
+      </p:sp>
+    </p:spTree>
+    <p:extLst>
+      <p:ext uri="{BB962C8B-B14F-4D97-AF65-F5344CB8AC3E}">
+        <p14:creationId xmlns:p14="http://schemas.microsoft.com/office/powerpoint/2010/main" val="2545350887"/>
+      </p:ext>
+    </p:extLst>
+  </p:cSld>
+  <p:clrMapOvr>
+    <a:masterClrMapping/>
+  </p:clrMapOvr>
+</p:sld>
+</file>
+
+<file path=ppt/slides/slide3.xml><?xml version="1.0" encoding="utf-8"?>
+<p:sld xmlns:a="http://schemas.openxmlformats.org/drawingml/2006/main" xmlns:r="http://schemas.openxmlformats.org/officeDocument/2006/relationships" xmlns:p="http://schemas.openxmlformats.org/presentationml/2006/main">
+  <p:cSld>
+    <p:spTree>
+      <p:nvGrpSpPr>
+        <p:cNvPr id="1" name=""/>
+        <p:cNvGrpSpPr/>
+        <p:nvPr/>
+      </p:nvGrpSpPr>
+      <p:grpSpPr>
+        <a:xfrm>
+          <a:off x="0" y="0"/>
+          <a:ext cx="0" cy="0"/>
+          <a:chOff x="0" y="0"/>
+          <a:chExt cx="0" cy="0"/>
+        </a:xfrm>
+      </p:grpSpPr>
+      <p:pic>
+        <p:nvPicPr>
+          <p:cNvPr id="2" name="Picture 1">
+            <a:extLst>
+              <a:ext uri="{FF2B5EF4-FFF2-40B4-BE49-F238E27FC236}">
+                <a16:creationId xmlns:a16="http://schemas.microsoft.com/office/drawing/2014/main" id="{B196BDD4-9E76-2229-A6B6-171F60E86CD5}"/>
               </a:ext>
             </a:extLst>
           </p:cNvPr>
@@ -5037,200 +6317,521 @@
         </p:blipFill>
         <p:spPr>
           <a:xfrm>
-            <a:off x="1185826" y="2654300"/>
-            <a:ext cx="825500" cy="774700"/>
+            <a:off x="989281" y="605928"/>
+            <a:ext cx="9631898" cy="3569001"/>
           </a:xfrm>
           <a:prstGeom prst="rect">
             <a:avLst/>
           </a:prstGeom>
         </p:spPr>
       </p:pic>
-      <p:pic>
-        <p:nvPicPr>
-          <p:cNvPr id="7" name="Picture 6">
-            <a:extLst>
-              <a:ext uri="{FF2B5EF4-FFF2-40B4-BE49-F238E27FC236}">
-                <a16:creationId xmlns:a16="http://schemas.microsoft.com/office/drawing/2014/main" id="{1A82BFDF-DD58-A4B7-D2F4-62846BD36BB3}"/>
-              </a:ext>
-            </a:extLst>
-          </p:cNvPr>
-          <p:cNvPicPr>
-            <a:picLocks noChangeAspect="1"/>
-          </p:cNvPicPr>
+    </p:spTree>
+    <p:extLst>
+      <p:ext uri="{BB962C8B-B14F-4D97-AF65-F5344CB8AC3E}">
+        <p14:creationId xmlns:p14="http://schemas.microsoft.com/office/powerpoint/2010/main" val="139815595"/>
+      </p:ext>
+    </p:extLst>
+  </p:cSld>
+  <p:clrMapOvr>
+    <a:masterClrMapping/>
+  </p:clrMapOvr>
+</p:sld>
+</file>
+
+<file path=ppt/slides/slide4.xml><?xml version="1.0" encoding="utf-8"?>
+<p:sld xmlns:a="http://schemas.openxmlformats.org/drawingml/2006/main" xmlns:r="http://schemas.openxmlformats.org/officeDocument/2006/relationships" xmlns:p="http://schemas.openxmlformats.org/presentationml/2006/main">
+  <p:cSld>
+    <p:spTree>
+      <p:nvGrpSpPr>
+        <p:cNvPr id="1" name=""/>
+        <p:cNvGrpSpPr/>
+        <p:nvPr/>
+      </p:nvGrpSpPr>
+      <p:grpSpPr>
+        <a:xfrm>
+          <a:off x="0" y="0"/>
+          <a:ext cx="0" cy="0"/>
+          <a:chOff x="0" y="0"/>
+          <a:chExt cx="0" cy="0"/>
+        </a:xfrm>
+      </p:grpSpPr>
+      <p:sp>
+        <p:nvSpPr>
+          <p:cNvPr id="2" name="Title 1">
+            <a:extLst>
+              <a:ext uri="{FF2B5EF4-FFF2-40B4-BE49-F238E27FC236}">
+                <a16:creationId xmlns:a16="http://schemas.microsoft.com/office/drawing/2014/main" id="{1AF2DB23-D51E-A5D1-9A28-B7754C8EE1D1}"/>
+              </a:ext>
+            </a:extLst>
+          </p:cNvPr>
+          <p:cNvSpPr>
+            <a:spLocks noGrp="1"/>
+          </p:cNvSpPr>
+          <p:nvPr>
+            <p:ph type="title" idx="4294967295"/>
+          </p:nvPr>
+        </p:nvSpPr>
+        <p:spPr/>
+        <p:txBody>
+          <a:bodyPr/>
+          <a:lstStyle/>
+          <a:p>
+            <a:r>
+              <a:rPr lang="en-US" dirty="0"/>
+              <a:t>Data == Daily</a:t>
+            </a:r>
+            <a:r>
+              <a:rPr lang="en-US" baseline="0" dirty="0"/>
+              <a:t> Journal</a:t>
+            </a:r>
+            <a:endParaRPr lang="en-US" dirty="0"/>
+          </a:p>
+        </p:txBody>
+      </p:sp>
+    </p:spTree>
+    <p:extLst>
+      <p:ext uri="{BB962C8B-B14F-4D97-AF65-F5344CB8AC3E}">
+        <p14:creationId xmlns:p14="http://schemas.microsoft.com/office/powerpoint/2010/main" val="3305673025"/>
+      </p:ext>
+    </p:extLst>
+  </p:cSld>
+  <p:clrMapOvr>
+    <a:masterClrMapping/>
+  </p:clrMapOvr>
+</p:sld>
+</file>
+
+<file path=ppt/slides/slide5.xml><?xml version="1.0" encoding="utf-8"?>
+<p:sld xmlns:a="http://schemas.openxmlformats.org/drawingml/2006/main" xmlns:r="http://schemas.openxmlformats.org/officeDocument/2006/relationships" xmlns:p="http://schemas.openxmlformats.org/presentationml/2006/main">
+  <p:cSld>
+    <p:spTree>
+      <p:nvGrpSpPr>
+        <p:cNvPr id="1" name=""/>
+        <p:cNvGrpSpPr/>
+        <p:nvPr/>
+      </p:nvGrpSpPr>
+      <p:grpSpPr>
+        <a:xfrm>
+          <a:off x="0" y="0"/>
+          <a:ext cx="0" cy="0"/>
+          <a:chOff x="0" y="0"/>
+          <a:chExt cx="0" cy="0"/>
+        </a:xfrm>
+      </p:grpSpPr>
+      <p:sp>
+        <p:nvSpPr>
+          <p:cNvPr id="2" name="Title 1">
+            <a:extLst>
+              <a:ext uri="{FF2B5EF4-FFF2-40B4-BE49-F238E27FC236}">
+                <a16:creationId xmlns:a16="http://schemas.microsoft.com/office/drawing/2014/main" id="{10219FA0-98C9-4C9F-638E-C593427BC7A5}"/>
+              </a:ext>
+            </a:extLst>
+          </p:cNvPr>
+          <p:cNvSpPr>
+            <a:spLocks noGrp="1"/>
+          </p:cNvSpPr>
+          <p:nvPr>
+            <p:ph type="title" idx="4294967295"/>
+          </p:nvPr>
+        </p:nvSpPr>
+        <p:spPr/>
+        <p:txBody>
+          <a:bodyPr/>
+          <a:lstStyle/>
+          <a:p>
+            <a:r>
+              <a:rPr lang="en-US" dirty="0"/>
+              <a:t>Retreat </a:t>
+            </a:r>
+          </a:p>
+        </p:txBody>
+      </p:sp>
+      <p:sp>
+        <p:nvSpPr>
+          <p:cNvPr id="4" name="Rectangle 3">
+            <a:extLst>
+              <a:ext uri="{FF2B5EF4-FFF2-40B4-BE49-F238E27FC236}">
+                <a16:creationId xmlns:a16="http://schemas.microsoft.com/office/drawing/2014/main" id="{8A85C734-38F5-51DE-0787-490BCA6FEF31}"/>
+              </a:ext>
+            </a:extLst>
+          </p:cNvPr>
+          <p:cNvSpPr/>
           <p:nvPr/>
-        </p:nvPicPr>
-        <p:blipFill>
-          <a:blip r:embed="rId4"/>
-          <a:stretch>
-            <a:fillRect/>
-          </a:stretch>
-        </p:blipFill>
-        <p:spPr>
-          <a:xfrm>
-            <a:off x="1185826" y="3836434"/>
-            <a:ext cx="1219200" cy="673100"/>
+        </p:nvSpPr>
+        <p:spPr>
+          <a:xfrm>
+            <a:off x="1718631" y="2291508"/>
+            <a:ext cx="1112704" cy="1641514"/>
           </a:xfrm>
           <a:prstGeom prst="rect">
             <a:avLst/>
           </a:prstGeom>
         </p:spPr>
-      </p:pic>
-      <p:pic>
-        <p:nvPicPr>
-          <p:cNvPr id="8" name="Picture 7">
-            <a:extLst>
-              <a:ext uri="{FF2B5EF4-FFF2-40B4-BE49-F238E27FC236}">
-                <a16:creationId xmlns:a16="http://schemas.microsoft.com/office/drawing/2014/main" id="{6DB95E4B-A7EC-A039-ABA2-9631285D08B8}"/>
-              </a:ext>
-            </a:extLst>
-          </p:cNvPr>
-          <p:cNvPicPr>
-            <a:picLocks noChangeAspect="1"/>
-          </p:cNvPicPr>
+        <p:style>
+          <a:lnRef idx="2">
+            <a:schemeClr val="accent1">
+              <a:shade val="15000"/>
+            </a:schemeClr>
+          </a:lnRef>
+          <a:fillRef idx="1">
+            <a:schemeClr val="accent1"/>
+          </a:fillRef>
+          <a:effectRef idx="0">
+            <a:schemeClr val="accent1"/>
+          </a:effectRef>
+          <a:fontRef idx="minor">
+            <a:schemeClr val="lt1"/>
+          </a:fontRef>
+        </p:style>
+        <p:txBody>
+          <a:bodyPr rtlCol="0" anchor="ctr"/>
+          <a:lstStyle/>
+          <a:p>
+            <a:pPr algn="ctr"/>
+            <a:endParaRPr lang="en-US" dirty="0"/>
+          </a:p>
+        </p:txBody>
+      </p:sp>
+      <p:sp>
+        <p:nvSpPr>
+          <p:cNvPr id="5" name="Rectangle 4">
+            <a:extLst>
+              <a:ext uri="{FF2B5EF4-FFF2-40B4-BE49-F238E27FC236}">
+                <a16:creationId xmlns:a16="http://schemas.microsoft.com/office/drawing/2014/main" id="{FEEB8458-D690-AB94-CA11-92BDCB117BAF}"/>
+              </a:ext>
+            </a:extLst>
+          </p:cNvPr>
+          <p:cNvSpPr/>
           <p:nvPr/>
-        </p:nvPicPr>
-        <p:blipFill>
-          <a:blip r:embed="rId5"/>
-          <a:stretch>
-            <a:fillRect/>
-          </a:stretch>
-        </p:blipFill>
-        <p:spPr>
-          <a:xfrm>
-            <a:off x="2633478" y="1421366"/>
-            <a:ext cx="673100" cy="927100"/>
+        </p:nvSpPr>
+        <p:spPr>
+          <a:xfrm>
+            <a:off x="4983296" y="2291508"/>
+            <a:ext cx="1112704" cy="1641514"/>
           </a:xfrm>
           <a:prstGeom prst="rect">
             <a:avLst/>
           </a:prstGeom>
         </p:spPr>
-      </p:pic>
-      <p:pic>
-        <p:nvPicPr>
-          <p:cNvPr id="9" name="Picture 8">
-            <a:extLst>
-              <a:ext uri="{FF2B5EF4-FFF2-40B4-BE49-F238E27FC236}">
-                <a16:creationId xmlns:a16="http://schemas.microsoft.com/office/drawing/2014/main" id="{4CD0B9AB-9484-8EA2-9218-3ED9E9D1ED34}"/>
-              </a:ext>
-            </a:extLst>
-          </p:cNvPr>
-          <p:cNvPicPr>
-            <a:picLocks noChangeAspect="1"/>
-          </p:cNvPicPr>
+        <p:style>
+          <a:lnRef idx="2">
+            <a:schemeClr val="accent1">
+              <a:shade val="15000"/>
+            </a:schemeClr>
+          </a:lnRef>
+          <a:fillRef idx="1">
+            <a:schemeClr val="accent1"/>
+          </a:fillRef>
+          <a:effectRef idx="0">
+            <a:schemeClr val="accent1"/>
+          </a:effectRef>
+          <a:fontRef idx="minor">
+            <a:schemeClr val="lt1"/>
+          </a:fontRef>
+        </p:style>
+        <p:txBody>
+          <a:bodyPr rtlCol="0" anchor="ctr"/>
+          <a:lstStyle/>
+          <a:p>
+            <a:pPr algn="ctr"/>
+            <a:r>
+              <a:rPr lang="en-US" dirty="0"/>
+              <a:t>Analysis</a:t>
+            </a:r>
+          </a:p>
+        </p:txBody>
+      </p:sp>
+    </p:spTree>
+    <p:extLst>
+      <p:ext uri="{BB962C8B-B14F-4D97-AF65-F5344CB8AC3E}">
+        <p14:creationId xmlns:p14="http://schemas.microsoft.com/office/powerpoint/2010/main" val="3158527547"/>
+      </p:ext>
+    </p:extLst>
+  </p:cSld>
+  <p:clrMapOvr>
+    <a:masterClrMapping/>
+  </p:clrMapOvr>
+</p:sld>
+</file>
+
+<file path=ppt/slides/slide6.xml><?xml version="1.0" encoding="utf-8"?>
+<p:sld xmlns:a="http://schemas.openxmlformats.org/drawingml/2006/main" xmlns:r="http://schemas.openxmlformats.org/officeDocument/2006/relationships" xmlns:p="http://schemas.openxmlformats.org/presentationml/2006/main">
+  <p:cSld>
+    <p:spTree>
+      <p:nvGrpSpPr>
+        <p:cNvPr id="1" name=""/>
+        <p:cNvGrpSpPr/>
+        <p:nvPr/>
+      </p:nvGrpSpPr>
+      <p:grpSpPr>
+        <a:xfrm>
+          <a:off x="0" y="0"/>
+          <a:ext cx="0" cy="0"/>
+          <a:chOff x="0" y="0"/>
+          <a:chExt cx="0" cy="0"/>
+        </a:xfrm>
+      </p:grpSpPr>
+      <p:sp>
+        <p:nvSpPr>
+          <p:cNvPr id="2" name="Title 1">
+            <a:extLst>
+              <a:ext uri="{FF2B5EF4-FFF2-40B4-BE49-F238E27FC236}">
+                <a16:creationId xmlns:a16="http://schemas.microsoft.com/office/drawing/2014/main" id="{2C0C8D0D-E68A-A63E-0A45-E71C2258F869}"/>
+              </a:ext>
+            </a:extLst>
+          </p:cNvPr>
+          <p:cNvSpPr>
+            <a:spLocks noGrp="1"/>
+          </p:cNvSpPr>
+          <p:nvPr>
+            <p:ph type="title" idx="4294967295"/>
+          </p:nvPr>
+        </p:nvSpPr>
+        <p:spPr>
+          <a:xfrm>
+            <a:off x="838200" y="365125"/>
+            <a:ext cx="10515600" cy="5936523"/>
+          </a:xfrm>
+        </p:spPr>
+        <p:txBody>
+          <a:bodyPr>
+            <a:normAutofit/>
+          </a:bodyPr>
+          <a:lstStyle/>
+          <a:p>
+            <a:r>
+              <a:rPr lang="en-US" dirty="0"/>
+              <a:t>Building</a:t>
+            </a:r>
+            <a:r>
+              <a:rPr lang="en-US" baseline="0" dirty="0"/>
+              <a:t> a second brain</a:t>
+            </a:r>
+            <a:br>
+              <a:rPr lang="en-US" baseline="0" dirty="0"/>
+            </a:br>
+            <a:br>
+              <a:rPr lang="en-US" dirty="0"/>
+            </a:br>
+            <a:r>
+              <a:rPr lang="en-US" dirty="0"/>
+              <a:t>Collect</a:t>
+            </a:r>
+            <a:br>
+              <a:rPr lang="en-US" dirty="0"/>
+            </a:br>
+            <a:r>
+              <a:rPr lang="en-US" dirty="0">
+                <a:solidFill>
+                  <a:schemeClr val="bg1">
+                    <a:lumMod val="75000"/>
+                  </a:schemeClr>
+                </a:solidFill>
+              </a:rPr>
+              <a:t>Organize</a:t>
+            </a:r>
+            <a:br>
+              <a:rPr lang="en-US" dirty="0">
+                <a:solidFill>
+                  <a:schemeClr val="bg1">
+                    <a:lumMod val="75000"/>
+                  </a:schemeClr>
+                </a:solidFill>
+              </a:rPr>
+            </a:br>
+            <a:r>
+              <a:rPr lang="en-US" dirty="0">
+                <a:solidFill>
+                  <a:schemeClr val="bg1">
+                    <a:lumMod val="75000"/>
+                  </a:schemeClr>
+                </a:solidFill>
+              </a:rPr>
+              <a:t>Distill</a:t>
+            </a:r>
+            <a:br>
+              <a:rPr lang="en-US" dirty="0"/>
+            </a:br>
+            <a:r>
+              <a:rPr lang="en-US" dirty="0"/>
+              <a:t>Extract</a:t>
+            </a:r>
+          </a:p>
+        </p:txBody>
+      </p:sp>
+    </p:spTree>
+    <p:extLst>
+      <p:ext uri="{BB962C8B-B14F-4D97-AF65-F5344CB8AC3E}">
+        <p14:creationId xmlns:p14="http://schemas.microsoft.com/office/powerpoint/2010/main" val="538894387"/>
+      </p:ext>
+    </p:extLst>
+  </p:cSld>
+  <p:clrMapOvr>
+    <a:masterClrMapping/>
+  </p:clrMapOvr>
+</p:sld>
+</file>
+
+<file path=ppt/slides/slide7.xml><?xml version="1.0" encoding="utf-8"?>
+<p:sld xmlns:a="http://schemas.openxmlformats.org/drawingml/2006/main" xmlns:r="http://schemas.openxmlformats.org/officeDocument/2006/relationships" xmlns:p="http://schemas.openxmlformats.org/presentationml/2006/main">
+  <p:cSld>
+    <p:spTree>
+      <p:nvGrpSpPr>
+        <p:cNvPr id="1" name=""/>
+        <p:cNvGrpSpPr/>
+        <p:nvPr/>
+      </p:nvGrpSpPr>
+      <p:grpSpPr>
+        <a:xfrm>
+          <a:off x="0" y="0"/>
+          <a:ext cx="0" cy="0"/>
+          <a:chOff x="0" y="0"/>
+          <a:chExt cx="0" cy="0"/>
+        </a:xfrm>
+      </p:grpSpPr>
+      <p:sp>
+        <p:nvSpPr>
+          <p:cNvPr id="2" name="Rectangle 1">
+            <a:extLst>
+              <a:ext uri="{FF2B5EF4-FFF2-40B4-BE49-F238E27FC236}">
+                <a16:creationId xmlns:a16="http://schemas.microsoft.com/office/drawing/2014/main" id="{04A20F18-466B-C53F-FB34-C95EB5A41A3A}"/>
+              </a:ext>
+            </a:extLst>
+          </p:cNvPr>
+          <p:cNvSpPr/>
           <p:nvPr/>
-        </p:nvPicPr>
-        <p:blipFill>
-          <a:blip r:embed="rId6"/>
-          <a:stretch>
-            <a:fillRect/>
-          </a:stretch>
-        </p:blipFill>
-        <p:spPr>
-          <a:xfrm>
-            <a:off x="2633478" y="2670249"/>
-            <a:ext cx="1054100" cy="774700"/>
+        </p:nvSpPr>
+        <p:spPr>
+          <a:xfrm>
+            <a:off x="4538949" y="1035586"/>
+            <a:ext cx="2721167" cy="1509310"/>
           </a:xfrm>
           <a:prstGeom prst="rect">
             <a:avLst/>
           </a:prstGeom>
         </p:spPr>
-      </p:pic>
-      <p:pic>
-        <p:nvPicPr>
-          <p:cNvPr id="10" name="Picture 9">
-            <a:extLst>
-              <a:ext uri="{FF2B5EF4-FFF2-40B4-BE49-F238E27FC236}">
-                <a16:creationId xmlns:a16="http://schemas.microsoft.com/office/drawing/2014/main" id="{C1A12DC0-8D34-3854-6B28-283AE727F60B}"/>
-              </a:ext>
-            </a:extLst>
-          </p:cNvPr>
-          <p:cNvPicPr>
-            <a:picLocks noChangeAspect="1"/>
-          </p:cNvPicPr>
+        <p:style>
+          <a:lnRef idx="2">
+            <a:schemeClr val="accent1">
+              <a:shade val="15000"/>
+            </a:schemeClr>
+          </a:lnRef>
+          <a:fillRef idx="1">
+            <a:schemeClr val="accent1"/>
+          </a:fillRef>
+          <a:effectRef idx="0">
+            <a:schemeClr val="accent1"/>
+          </a:effectRef>
+          <a:fontRef idx="minor">
+            <a:schemeClr val="lt1"/>
+          </a:fontRef>
+        </p:style>
+        <p:txBody>
+          <a:bodyPr rtlCol="0" anchor="ctr"/>
+          <a:lstStyle/>
+          <a:p>
+            <a:pPr algn="ctr"/>
+            <a:r>
+              <a:rPr lang="en-US" dirty="0"/>
+              <a:t>Stuck</a:t>
+            </a:r>
+          </a:p>
+        </p:txBody>
+      </p:sp>
+      <p:sp>
+        <p:nvSpPr>
+          <p:cNvPr id="3" name="Rectangle 2">
+            <a:extLst>
+              <a:ext uri="{FF2B5EF4-FFF2-40B4-BE49-F238E27FC236}">
+                <a16:creationId xmlns:a16="http://schemas.microsoft.com/office/drawing/2014/main" id="{B5A6A69C-4F15-71AB-01E4-316488742094}"/>
+              </a:ext>
+            </a:extLst>
+          </p:cNvPr>
+          <p:cNvSpPr/>
           <p:nvPr/>
-        </p:nvPicPr>
-        <p:blipFill>
-          <a:blip r:embed="rId7"/>
-          <a:stretch>
-            <a:fillRect/>
-          </a:stretch>
-        </p:blipFill>
-        <p:spPr>
-          <a:xfrm>
-            <a:off x="3687430" y="2837416"/>
-            <a:ext cx="1244600" cy="736600"/>
+        </p:nvSpPr>
+        <p:spPr>
+          <a:xfrm>
+            <a:off x="2655065" y="3429000"/>
+            <a:ext cx="1751682" cy="1605708"/>
           </a:xfrm>
           <a:prstGeom prst="rect">
             <a:avLst/>
           </a:prstGeom>
         </p:spPr>
-      </p:pic>
-      <p:sp>
-        <p:nvSpPr>
-          <p:cNvPr id="11" name="TextBox 10">
-            <a:extLst>
-              <a:ext uri="{FF2B5EF4-FFF2-40B4-BE49-F238E27FC236}">
-                <a16:creationId xmlns:a16="http://schemas.microsoft.com/office/drawing/2014/main" id="{561191FD-4CF7-36B4-19EC-767784E30B0B}"/>
-              </a:ext>
-            </a:extLst>
-          </p:cNvPr>
-          <p:cNvSpPr txBox="1"/>
+        <p:style>
+          <a:lnRef idx="2">
+            <a:schemeClr val="accent1">
+              <a:shade val="15000"/>
+            </a:schemeClr>
+          </a:lnRef>
+          <a:fillRef idx="1">
+            <a:schemeClr val="accent1"/>
+          </a:fillRef>
+          <a:effectRef idx="0">
+            <a:schemeClr val="accent1"/>
+          </a:effectRef>
+          <a:fontRef idx="minor">
+            <a:schemeClr val="lt1"/>
+          </a:fontRef>
+        </p:style>
+        <p:txBody>
+          <a:bodyPr rtlCol="0" anchor="ctr"/>
+          <a:lstStyle/>
+          <a:p>
+            <a:pPr algn="ctr"/>
+            <a:r>
+              <a:rPr lang="en-US" dirty="0"/>
+              <a:t>I have nothing</a:t>
+            </a:r>
+          </a:p>
+        </p:txBody>
+      </p:sp>
+      <p:sp>
+        <p:nvSpPr>
+          <p:cNvPr id="4" name="Rectangle 3">
+            <a:extLst>
+              <a:ext uri="{FF2B5EF4-FFF2-40B4-BE49-F238E27FC236}">
+                <a16:creationId xmlns:a16="http://schemas.microsoft.com/office/drawing/2014/main" id="{318C06C9-3D09-40A7-2875-AB6E893F7D38}"/>
+              </a:ext>
+            </a:extLst>
+          </p:cNvPr>
+          <p:cNvSpPr/>
           <p:nvPr/>
         </p:nvSpPr>
         <p:spPr>
           <a:xfrm>
-            <a:off x="8431619" y="2670249"/>
-            <a:ext cx="763158" cy="369332"/>
+            <a:off x="6674386" y="3429000"/>
+            <a:ext cx="1751682" cy="1605708"/>
           </a:xfrm>
           <a:prstGeom prst="rect">
             <a:avLst/>
           </a:prstGeom>
-          <a:noFill/>
-        </p:spPr>
-        <p:txBody>
-          <a:bodyPr wrap="none" rtlCol="0">
-            <a:spAutoFit/>
-          </a:bodyPr>
-          <a:lstStyle/>
-          <a:p>
+        </p:spPr>
+        <p:style>
+          <a:lnRef idx="2">
+            <a:schemeClr val="accent1">
+              <a:shade val="15000"/>
+            </a:schemeClr>
+          </a:lnRef>
+          <a:fillRef idx="1">
+            <a:schemeClr val="accent1"/>
+          </a:fillRef>
+          <a:effectRef idx="0">
+            <a:schemeClr val="accent1"/>
+          </a:effectRef>
+          <a:fontRef idx="minor">
+            <a:schemeClr val="lt1"/>
+          </a:fontRef>
+        </p:style>
+        <p:txBody>
+          <a:bodyPr rtlCol="0" anchor="ctr"/>
+          <a:lstStyle/>
+          <a:p>
+            <a:pPr algn="ctr"/>
             <a:r>
               <a:rPr lang="en-US" dirty="0"/>
-              <a:t>Vomit</a:t>
-            </a:r>
-          </a:p>
-        </p:txBody>
-      </p:sp>
-      <p:sp>
-        <p:nvSpPr>
-          <p:cNvPr id="12" name="TextBox 11">
-            <a:extLst>
-              <a:ext uri="{FF2B5EF4-FFF2-40B4-BE49-F238E27FC236}">
-                <a16:creationId xmlns:a16="http://schemas.microsoft.com/office/drawing/2014/main" id="{43C7CB29-A918-86F7-A8A3-7A0753F20784}"/>
-              </a:ext>
-            </a:extLst>
-          </p:cNvPr>
-          <p:cNvSpPr txBox="1"/>
-          <p:nvPr/>
-        </p:nvSpPr>
-        <p:spPr>
-          <a:xfrm>
-            <a:off x="5511209" y="3836434"/>
-            <a:ext cx="1094017" cy="369332"/>
-          </a:xfrm>
-          <a:prstGeom prst="rect">
-            <a:avLst/>
-          </a:prstGeom>
-          <a:noFill/>
-        </p:spPr>
-        <p:txBody>
-          <a:bodyPr wrap="none" rtlCol="0">
-            <a:spAutoFit/>
-          </a:bodyPr>
-          <a:lstStyle/>
-          <a:p>
-            <a:r>
-              <a:rPr lang="en-US" dirty="0"/>
-              <a:t>Interview</a:t>
+              <a:t>I have garbage</a:t>
             </a:r>
           </a:p>
         </p:txBody>
@@ -5238,7 +6839,65 @@
     </p:spTree>
     <p:extLst>
       <p:ext uri="{BB962C8B-B14F-4D97-AF65-F5344CB8AC3E}">
-        <p14:creationId xmlns:p14="http://schemas.microsoft.com/office/powerpoint/2010/main" val="2545350887"/>
+        <p14:creationId xmlns:p14="http://schemas.microsoft.com/office/powerpoint/2010/main" val="1504940818"/>
+      </p:ext>
+    </p:extLst>
+  </p:cSld>
+  <p:clrMapOvr>
+    <a:masterClrMapping/>
+  </p:clrMapOvr>
+</p:sld>
+</file>
+
+<file path=ppt/slides/slide8.xml><?xml version="1.0" encoding="utf-8"?>
+<p:sld xmlns:a="http://schemas.openxmlformats.org/drawingml/2006/main" xmlns:r="http://schemas.openxmlformats.org/officeDocument/2006/relationships" xmlns:p="http://schemas.openxmlformats.org/presentationml/2006/main">
+  <p:cSld>
+    <p:spTree>
+      <p:nvGrpSpPr>
+        <p:cNvPr id="1" name=""/>
+        <p:cNvGrpSpPr/>
+        <p:nvPr/>
+      </p:nvGrpSpPr>
+      <p:grpSpPr>
+        <a:xfrm>
+          <a:off x="0" y="0"/>
+          <a:ext cx="0" cy="0"/>
+          <a:chOff x="0" y="0"/>
+          <a:chExt cx="0" cy="0"/>
+        </a:xfrm>
+      </p:grpSpPr>
+      <p:sp>
+        <p:nvSpPr>
+          <p:cNvPr id="2" name="Title 1">
+            <a:extLst>
+              <a:ext uri="{FF2B5EF4-FFF2-40B4-BE49-F238E27FC236}">
+                <a16:creationId xmlns:a16="http://schemas.microsoft.com/office/drawing/2014/main" id="{62526530-D72E-28C4-9040-7FE55F670242}"/>
+              </a:ext>
+            </a:extLst>
+          </p:cNvPr>
+          <p:cNvSpPr>
+            <a:spLocks noGrp="1"/>
+          </p:cNvSpPr>
+          <p:nvPr>
+            <p:ph type="title" idx="4294967295"/>
+          </p:nvPr>
+        </p:nvSpPr>
+        <p:spPr/>
+        <p:txBody>
+          <a:bodyPr/>
+          <a:lstStyle/>
+          <a:p>
+            <a:r>
+              <a:rPr lang="en-US" dirty="0"/>
+              <a:t>Vomit</a:t>
+            </a:r>
+          </a:p>
+        </p:txBody>
+      </p:sp>
+    </p:spTree>
+    <p:extLst>
+      <p:ext uri="{BB962C8B-B14F-4D97-AF65-F5344CB8AC3E}">
+        <p14:creationId xmlns:p14="http://schemas.microsoft.com/office/powerpoint/2010/main" val="1439346754"/>
       </p:ext>
     </p:extLst>
   </p:cSld>
@@ -5561,4 +7220,319 @@
     </a:ext>
   </a:extLst>
 </a:theme>
+</file>
+
+<file path=ppt/theme/theme2.xml><?xml version="1.0" encoding="utf-8"?>
+<a:theme xmlns:a="http://schemas.openxmlformats.org/drawingml/2006/main" name="Office Theme">
+  <a:themeElements>
+    <a:clrScheme name="Office">
+      <a:dk1>
+        <a:sysClr val="windowText" lastClr="000000"/>
+      </a:dk1>
+      <a:lt1>
+        <a:sysClr val="window" lastClr="FFFFFF"/>
+      </a:lt1>
+      <a:dk2>
+        <a:srgbClr val="0E2841"/>
+      </a:dk2>
+      <a:lt2>
+        <a:srgbClr val="E8E8E8"/>
+      </a:lt2>
+      <a:accent1>
+        <a:srgbClr val="156082"/>
+      </a:accent1>
+      <a:accent2>
+        <a:srgbClr val="E97132"/>
+      </a:accent2>
+      <a:accent3>
+        <a:srgbClr val="196B24"/>
+      </a:accent3>
+      <a:accent4>
+        <a:srgbClr val="0F9ED5"/>
+      </a:accent4>
+      <a:accent5>
+        <a:srgbClr val="A02B93"/>
+      </a:accent5>
+      <a:accent6>
+        <a:srgbClr val="4EA72E"/>
+      </a:accent6>
+      <a:hlink>
+        <a:srgbClr val="467886"/>
+      </a:hlink>
+      <a:folHlink>
+        <a:srgbClr val="96607D"/>
+      </a:folHlink>
+    </a:clrScheme>
+    <a:fontScheme name="Office">
+      <a:majorFont>
+        <a:latin typeface="Aptos Display" panose="02110004020202020204"/>
+        <a:ea typeface=""/>
+        <a:cs typeface=""/>
+        <a:font script="Jpan" typeface="游ゴシック Light"/>
+        <a:font script="Hang" typeface="맑은 고딕"/>
+        <a:font script="Hans" typeface="等线 Light"/>
+        <a:font script="Hant" typeface="新細明體"/>
+        <a:font script="Arab" typeface="Times New Roman"/>
+        <a:font script="Hebr" typeface="Times New Roman"/>
+        <a:font script="Thai" typeface="Angsana New"/>
+        <a:font script="Ethi" typeface="Nyala"/>
+        <a:font script="Beng" typeface="Vrinda"/>
+        <a:font script="Gujr" typeface="Shruti"/>
+        <a:font script="Khmr" typeface="MoolBoran"/>
+        <a:font script="Knda" typeface="Tunga"/>
+        <a:font script="Guru" typeface="Raavi"/>
+        <a:font script="Cans" typeface="Euphemia"/>
+        <a:font script="Cher" typeface="Plantagenet Cherokee"/>
+        <a:font script="Yiii" typeface="Microsoft Yi Baiti"/>
+        <a:font script="Tibt" typeface="Microsoft Himalaya"/>
+        <a:font script="Thaa" typeface="MV Boli"/>
+        <a:font script="Deva" typeface="Mangal"/>
+        <a:font script="Telu" typeface="Gautami"/>
+        <a:font script="Taml" typeface="Latha"/>
+        <a:font script="Syrc" typeface="Estrangelo Edessa"/>
+        <a:font script="Orya" typeface="Kalinga"/>
+        <a:font script="Mlym" typeface="Kartika"/>
+        <a:font script="Laoo" typeface="DokChampa"/>
+        <a:font script="Sinh" typeface="Iskoola Pota"/>
+        <a:font script="Mong" typeface="Mongolian Baiti"/>
+        <a:font script="Viet" typeface="Times New Roman"/>
+        <a:font script="Uigh" typeface="Microsoft Uighur"/>
+        <a:font script="Geor" typeface="Sylfaen"/>
+        <a:font script="Armn" typeface="Arial"/>
+        <a:font script="Bugi" typeface="Leelawadee UI"/>
+        <a:font script="Bopo" typeface="Microsoft JhengHei"/>
+        <a:font script="Java" typeface="Javanese Text"/>
+        <a:font script="Lisu" typeface="Segoe UI"/>
+        <a:font script="Mymr" typeface="Myanmar Text"/>
+        <a:font script="Nkoo" typeface="Ebrima"/>
+        <a:font script="Olck" typeface="Nirmala UI"/>
+        <a:font script="Osma" typeface="Ebrima"/>
+        <a:font script="Phag" typeface="Phagspa"/>
+        <a:font script="Syrn" typeface="Estrangelo Edessa"/>
+        <a:font script="Syrj" typeface="Estrangelo Edessa"/>
+        <a:font script="Syre" typeface="Estrangelo Edessa"/>
+        <a:font script="Sora" typeface="Nirmala UI"/>
+        <a:font script="Tale" typeface="Microsoft Tai Le"/>
+        <a:font script="Talu" typeface="Microsoft New Tai Lue"/>
+        <a:font script="Tfng" typeface="Ebrima"/>
+      </a:majorFont>
+      <a:minorFont>
+        <a:latin typeface="Aptos" panose="02110004020202020204"/>
+        <a:ea typeface=""/>
+        <a:cs typeface=""/>
+        <a:font script="Jpan" typeface="游ゴシック"/>
+        <a:font script="Hang" typeface="맑은 고딕"/>
+        <a:font script="Hans" typeface="等线"/>
+        <a:font script="Hant" typeface="新細明體"/>
+        <a:font script="Arab" typeface="Arial"/>
+        <a:font script="Hebr" typeface="Arial"/>
+        <a:font script="Thai" typeface="Cordia New"/>
+        <a:font script="Ethi" typeface="Nyala"/>
+        <a:font script="Beng" typeface="Vrinda"/>
+        <a:font script="Gujr" typeface="Shruti"/>
+        <a:font script="Khmr" typeface="DaunPenh"/>
+        <a:font script="Knda" typeface="Tunga"/>
+        <a:font script="Guru" typeface="Raavi"/>
+        <a:font script="Cans" typeface="Euphemia"/>
+        <a:font script="Cher" typeface="Plantagenet Cherokee"/>
+        <a:font script="Yiii" typeface="Microsoft Yi Baiti"/>
+        <a:font script="Tibt" typeface="Microsoft Himalaya"/>
+        <a:font script="Thaa" typeface="MV Boli"/>
+        <a:font script="Deva" typeface="Mangal"/>
+        <a:font script="Telu" typeface="Gautami"/>
+        <a:font script="Taml" typeface="Latha"/>
+        <a:font script="Syrc" typeface="Estrangelo Edessa"/>
+        <a:font script="Orya" typeface="Kalinga"/>
+        <a:font script="Mlym" typeface="Kartika"/>
+        <a:font script="Laoo" typeface="DokChampa"/>
+        <a:font script="Sinh" typeface="Iskoola Pota"/>
+        <a:font script="Mong" typeface="Mongolian Baiti"/>
+        <a:font script="Viet" typeface="Arial"/>
+        <a:font script="Uigh" typeface="Microsoft Uighur"/>
+        <a:font script="Geor" typeface="Sylfaen"/>
+        <a:font script="Armn" typeface="Arial"/>
+        <a:font script="Bugi" typeface="Leelawadee UI"/>
+        <a:font script="Bopo" typeface="Microsoft JhengHei"/>
+        <a:font script="Java" typeface="Javanese Text"/>
+        <a:font script="Lisu" typeface="Segoe UI"/>
+        <a:font script="Mymr" typeface="Myanmar Text"/>
+        <a:font script="Nkoo" typeface="Ebrima"/>
+        <a:font script="Olck" typeface="Nirmala UI"/>
+        <a:font script="Osma" typeface="Ebrima"/>
+        <a:font script="Phag" typeface="Phagspa"/>
+        <a:font script="Syrn" typeface="Estrangelo Edessa"/>
+        <a:font script="Syrj" typeface="Estrangelo Edessa"/>
+        <a:font script="Syre" typeface="Estrangelo Edessa"/>
+        <a:font script="Sora" typeface="Nirmala UI"/>
+        <a:font script="Tale" typeface="Microsoft Tai Le"/>
+        <a:font script="Talu" typeface="Microsoft New Tai Lue"/>
+        <a:font script="Tfng" typeface="Ebrima"/>
+      </a:minorFont>
+    </a:fontScheme>
+    <a:fmtScheme name="Office">
+      <a:fillStyleLst>
+        <a:solidFill>
+          <a:schemeClr val="phClr"/>
+        </a:solidFill>
+        <a:gradFill rotWithShape="1">
+          <a:gsLst>
+            <a:gs pos="0">
+              <a:schemeClr val="phClr">
+                <a:lumMod val="110000"/>
+                <a:satMod val="105000"/>
+                <a:tint val="67000"/>
+              </a:schemeClr>
+            </a:gs>
+            <a:gs pos="50000">
+              <a:schemeClr val="phClr">
+                <a:lumMod val="105000"/>
+                <a:satMod val="103000"/>
+                <a:tint val="73000"/>
+              </a:schemeClr>
+            </a:gs>
+            <a:gs pos="100000">
+              <a:schemeClr val="phClr">
+                <a:lumMod val="105000"/>
+                <a:satMod val="109000"/>
+                <a:tint val="81000"/>
+              </a:schemeClr>
+            </a:gs>
+          </a:gsLst>
+          <a:lin ang="5400000" scaled="0"/>
+        </a:gradFill>
+        <a:gradFill rotWithShape="1">
+          <a:gsLst>
+            <a:gs pos="0">
+              <a:schemeClr val="phClr">
+                <a:satMod val="103000"/>
+                <a:lumMod val="102000"/>
+                <a:tint val="94000"/>
+              </a:schemeClr>
+            </a:gs>
+            <a:gs pos="50000">
+              <a:schemeClr val="phClr">
+                <a:satMod val="110000"/>
+                <a:lumMod val="100000"/>
+                <a:shade val="100000"/>
+              </a:schemeClr>
+            </a:gs>
+            <a:gs pos="100000">
+              <a:schemeClr val="phClr">
+                <a:lumMod val="99000"/>
+                <a:satMod val="120000"/>
+                <a:shade val="78000"/>
+              </a:schemeClr>
+            </a:gs>
+          </a:gsLst>
+          <a:lin ang="5400000" scaled="0"/>
+        </a:gradFill>
+      </a:fillStyleLst>
+      <a:lnStyleLst>
+        <a:ln w="12700" cap="flat" cmpd="sng" algn="ctr">
+          <a:solidFill>
+            <a:schemeClr val="phClr"/>
+          </a:solidFill>
+          <a:prstDash val="solid"/>
+          <a:miter lim="800000"/>
+        </a:ln>
+        <a:ln w="19050" cap="flat" cmpd="sng" algn="ctr">
+          <a:solidFill>
+            <a:schemeClr val="phClr"/>
+          </a:solidFill>
+          <a:prstDash val="solid"/>
+          <a:miter lim="800000"/>
+        </a:ln>
+        <a:ln w="25400" cap="flat" cmpd="sng" algn="ctr">
+          <a:solidFill>
+            <a:schemeClr val="phClr"/>
+          </a:solidFill>
+          <a:prstDash val="solid"/>
+          <a:miter lim="800000"/>
+        </a:ln>
+      </a:lnStyleLst>
+      <a:effectStyleLst>
+        <a:effectStyle>
+          <a:effectLst/>
+        </a:effectStyle>
+        <a:effectStyle>
+          <a:effectLst/>
+        </a:effectStyle>
+        <a:effectStyle>
+          <a:effectLst>
+            <a:outerShdw blurRad="57150" dist="19050" dir="5400000" algn="ctr" rotWithShape="0">
+              <a:srgbClr val="000000">
+                <a:alpha val="63000"/>
+              </a:srgbClr>
+            </a:outerShdw>
+          </a:effectLst>
+        </a:effectStyle>
+      </a:effectStyleLst>
+      <a:bgFillStyleLst>
+        <a:solidFill>
+          <a:schemeClr val="phClr"/>
+        </a:solidFill>
+        <a:solidFill>
+          <a:schemeClr val="phClr">
+            <a:tint val="95000"/>
+            <a:satMod val="170000"/>
+          </a:schemeClr>
+        </a:solidFill>
+        <a:gradFill rotWithShape="1">
+          <a:gsLst>
+            <a:gs pos="0">
+              <a:schemeClr val="phClr">
+                <a:tint val="93000"/>
+                <a:satMod val="150000"/>
+                <a:shade val="98000"/>
+                <a:lumMod val="102000"/>
+              </a:schemeClr>
+            </a:gs>
+            <a:gs pos="50000">
+              <a:schemeClr val="phClr">
+                <a:tint val="98000"/>
+                <a:satMod val="130000"/>
+                <a:shade val="90000"/>
+                <a:lumMod val="103000"/>
+              </a:schemeClr>
+            </a:gs>
+            <a:gs pos="100000">
+              <a:schemeClr val="phClr">
+                <a:shade val="63000"/>
+                <a:satMod val="120000"/>
+              </a:schemeClr>
+            </a:gs>
+          </a:gsLst>
+          <a:lin ang="5400000" scaled="0"/>
+        </a:gradFill>
+      </a:bgFillStyleLst>
+    </a:fmtScheme>
+  </a:themeElements>
+  <a:objectDefaults>
+    <a:lnDef>
+      <a:spPr/>
+      <a:bodyPr/>
+      <a:lstStyle/>
+      <a:style>
+        <a:lnRef idx="2">
+          <a:schemeClr val="accent1"/>
+        </a:lnRef>
+        <a:fillRef idx="0">
+          <a:schemeClr val="accent1"/>
+        </a:fillRef>
+        <a:effectRef idx="1">
+          <a:schemeClr val="accent1"/>
+        </a:effectRef>
+        <a:fontRef idx="minor">
+          <a:schemeClr val="tx1"/>
+        </a:fontRef>
+      </a:style>
+    </a:lnDef>
+  </a:objectDefaults>
+  <a:extraClrSchemeLst/>
+  <a:extLst>
+    <a:ext uri="{05A4C25C-085E-4340-85A3-A5531E510DB2}">
+      <thm15:themeFamily xmlns:thm15="http://schemas.microsoft.com/office/thememl/2012/main" name="Office Theme" id="{2E142A2C-CD16-42D6-873A-C26D2A0506FA}" vid="{1BDDFF52-6CD6-40A5-AB3C-68EB2F1E4D0A}"/>
+    </a:ext>
+  </a:extLst>
+</a:theme>
 </file>